--- a/基础PPT/第10章：Java并发基础.pptx
+++ b/基础PPT/第10章：Java并发基础.pptx
@@ -39,8 +39,10 @@
     <p:sldId id="708" r:id="rId32"/>
     <p:sldId id="709" r:id="rId33"/>
     <p:sldId id="710" r:id="rId34"/>
-    <p:sldId id="713" r:id="rId35"/>
-    <p:sldId id="662" r:id="rId36"/>
+    <p:sldId id="747" r:id="rId35"/>
+    <p:sldId id="750" r:id="rId36"/>
+    <p:sldId id="713" r:id="rId37"/>
+    <p:sldId id="662" r:id="rId38"/>
   </p:sldIdLst>
   <p:sldSz cx="12192000" cy="6858000"/>
   <p:notesSz cx="6858000" cy="9144000"/>
@@ -14233,6 +14235,261 @@
         <p:nvPr/>
       </p:nvGrpSpPr>
       <p:grpSpPr/>
+      <p:sp>
+        <p:nvSpPr>
+          <p:cNvPr id="2" name="文本框 1"/>
+          <p:cNvSpPr txBox="1"/>
+          <p:nvPr/>
+        </p:nvSpPr>
+        <p:spPr>
+          <a:xfrm>
+            <a:off x="130175" y="1219200"/>
+            <a:ext cx="11931015" cy="5015865"/>
+          </a:xfrm>
+          <a:prstGeom prst="rect">
+            <a:avLst/>
+          </a:prstGeom>
+          <a:noFill/>
+        </p:spPr>
+        <p:txBody>
+          <a:bodyPr wrap="square" rtlCol="0">
+            <a:spAutoFit/>
+          </a:bodyPr>
+          <a:p>
+            <a:r>
+              <a:rPr sz="1600">
+                <a:latin typeface="宋体" panose="02010600030101010101" pitchFamily="2" charset="-122"/>
+                <a:ea typeface="宋体" panose="02010600030101010101" pitchFamily="2" charset="-122"/>
+                <a:cs typeface="宋体" panose="02010600030101010101" pitchFamily="2" charset="-122"/>
+              </a:rPr>
+              <a:t>早在JDK 1.2的版本中就提供java.lang.ThreadLocal，ThreadLocal为解决多线程程序的并发问题提供了一种新的思路。使用这个工具类可以很简洁地编写出优美的多线程程序。</a:t>
+            </a:r>
+            <a:endParaRPr sz="1600">
+              <a:latin typeface="宋体" panose="02010600030101010101" pitchFamily="2" charset="-122"/>
+              <a:ea typeface="宋体" panose="02010600030101010101" pitchFamily="2" charset="-122"/>
+              <a:cs typeface="宋体" panose="02010600030101010101" pitchFamily="2" charset="-122"/>
+            </a:endParaRPr>
+          </a:p>
+          <a:p>
+            <a:endParaRPr sz="1600">
+              <a:latin typeface="宋体" panose="02010600030101010101" pitchFamily="2" charset="-122"/>
+              <a:ea typeface="宋体" panose="02010600030101010101" pitchFamily="2" charset="-122"/>
+              <a:cs typeface="宋体" panose="02010600030101010101" pitchFamily="2" charset="-122"/>
+            </a:endParaRPr>
+          </a:p>
+          <a:p>
+            <a:r>
+              <a:rPr sz="1600">
+                <a:latin typeface="宋体" panose="02010600030101010101" pitchFamily="2" charset="-122"/>
+                <a:ea typeface="宋体" panose="02010600030101010101" pitchFamily="2" charset="-122"/>
+                <a:cs typeface="宋体" panose="02010600030101010101" pitchFamily="2" charset="-122"/>
+              </a:rPr>
+              <a:t>ThreadLocal很容易让人望文生义，想当然地认为是一个“本地线程”。其实，ThreadLocal并不是一个Thread，而是Thread的局部变量，也许把它命名为ThreadLocalVariable更容易让人理解一些。</a:t>
+            </a:r>
+            <a:endParaRPr sz="1600">
+              <a:latin typeface="宋体" panose="02010600030101010101" pitchFamily="2" charset="-122"/>
+              <a:ea typeface="宋体" panose="02010600030101010101" pitchFamily="2" charset="-122"/>
+              <a:cs typeface="宋体" panose="02010600030101010101" pitchFamily="2" charset="-122"/>
+            </a:endParaRPr>
+          </a:p>
+          <a:p>
+            <a:endParaRPr sz="1600">
+              <a:latin typeface="宋体" panose="02010600030101010101" pitchFamily="2" charset="-122"/>
+              <a:ea typeface="宋体" panose="02010600030101010101" pitchFamily="2" charset="-122"/>
+              <a:cs typeface="宋体" panose="02010600030101010101" pitchFamily="2" charset="-122"/>
+            </a:endParaRPr>
+          </a:p>
+          <a:p>
+            <a:r>
+              <a:rPr sz="1600">
+                <a:latin typeface="宋体" panose="02010600030101010101" pitchFamily="2" charset="-122"/>
+                <a:ea typeface="宋体" panose="02010600030101010101" pitchFamily="2" charset="-122"/>
+                <a:cs typeface="宋体" panose="02010600030101010101" pitchFamily="2" charset="-122"/>
+              </a:rPr>
+              <a:t>当使用ThreadLocal维护变量时，ThreadLocal为每个使用该变量的线程提供独立的变量副本，所以每一个线程都可以独立地改变自己的副本，而不会影响其它线程所对应的副本。</a:t>
+            </a:r>
+            <a:endParaRPr sz="1600">
+              <a:latin typeface="宋体" panose="02010600030101010101" pitchFamily="2" charset="-122"/>
+              <a:ea typeface="宋体" panose="02010600030101010101" pitchFamily="2" charset="-122"/>
+              <a:cs typeface="宋体" panose="02010600030101010101" pitchFamily="2" charset="-122"/>
+            </a:endParaRPr>
+          </a:p>
+          <a:p>
+            <a:endParaRPr sz="1600">
+              <a:latin typeface="宋体" panose="02010600030101010101" pitchFamily="2" charset="-122"/>
+              <a:ea typeface="宋体" panose="02010600030101010101" pitchFamily="2" charset="-122"/>
+              <a:cs typeface="宋体" panose="02010600030101010101" pitchFamily="2" charset="-122"/>
+            </a:endParaRPr>
+          </a:p>
+          <a:p>
+            <a:r>
+              <a:rPr sz="1600">
+                <a:latin typeface="宋体" panose="02010600030101010101" pitchFamily="2" charset="-122"/>
+                <a:ea typeface="宋体" panose="02010600030101010101" pitchFamily="2" charset="-122"/>
+                <a:cs typeface="宋体" panose="02010600030101010101" pitchFamily="2" charset="-122"/>
+              </a:rPr>
+              <a:t>从线程的角度看，目标变量就象是线程的本地变量，这也是类名中“Local”所要表达的意思。</a:t>
+            </a:r>
+            <a:endParaRPr sz="1600">
+              <a:latin typeface="宋体" panose="02010600030101010101" pitchFamily="2" charset="-122"/>
+              <a:ea typeface="宋体" panose="02010600030101010101" pitchFamily="2" charset="-122"/>
+              <a:cs typeface="宋体" panose="02010600030101010101" pitchFamily="2" charset="-122"/>
+            </a:endParaRPr>
+          </a:p>
+          <a:p>
+            <a:endParaRPr sz="1600">
+              <a:latin typeface="宋体" panose="02010600030101010101" pitchFamily="2" charset="-122"/>
+              <a:ea typeface="宋体" panose="02010600030101010101" pitchFamily="2" charset="-122"/>
+              <a:cs typeface="宋体" panose="02010600030101010101" pitchFamily="2" charset="-122"/>
+            </a:endParaRPr>
+          </a:p>
+          <a:p>
+            <a:r>
+              <a:rPr sz="1600">
+                <a:latin typeface="宋体" panose="02010600030101010101" pitchFamily="2" charset="-122"/>
+                <a:ea typeface="宋体" panose="02010600030101010101" pitchFamily="2" charset="-122"/>
+                <a:cs typeface="宋体" panose="02010600030101010101" pitchFamily="2" charset="-122"/>
+              </a:rPr>
+              <a:t>线程局部变量并不是Java的新发明，很多语言（如IBM IBM XL FORTRAN）在语法层面就提供线程局部变量。在Java中没有提供在语言级支持，而是变相地通过ThreadLocal的类提供支持。</a:t>
+            </a:r>
+            <a:endParaRPr sz="1600">
+              <a:latin typeface="宋体" panose="02010600030101010101" pitchFamily="2" charset="-122"/>
+              <a:ea typeface="宋体" panose="02010600030101010101" pitchFamily="2" charset="-122"/>
+              <a:cs typeface="宋体" panose="02010600030101010101" pitchFamily="2" charset="-122"/>
+            </a:endParaRPr>
+          </a:p>
+          <a:p>
+            <a:endParaRPr sz="1600">
+              <a:latin typeface="宋体" panose="02010600030101010101" pitchFamily="2" charset="-122"/>
+              <a:ea typeface="宋体" panose="02010600030101010101" pitchFamily="2" charset="-122"/>
+              <a:cs typeface="宋体" panose="02010600030101010101" pitchFamily="2" charset="-122"/>
+            </a:endParaRPr>
+          </a:p>
+          <a:p>
+            <a:r>
+              <a:rPr sz="1600">
+                <a:latin typeface="宋体" panose="02010600030101010101" pitchFamily="2" charset="-122"/>
+                <a:ea typeface="宋体" panose="02010600030101010101" pitchFamily="2" charset="-122"/>
+                <a:cs typeface="宋体" panose="02010600030101010101" pitchFamily="2" charset="-122"/>
+              </a:rPr>
+              <a:t>所以，在Java中编写线程局部变量的代码相对来说要笨拙一些，因此造成线程局部变量没有在Java开发者中得到很好的普及。</a:t>
+            </a:r>
+            <a:endParaRPr sz="1600">
+              <a:latin typeface="宋体" panose="02010600030101010101" pitchFamily="2" charset="-122"/>
+              <a:ea typeface="宋体" panose="02010600030101010101" pitchFamily="2" charset="-122"/>
+              <a:cs typeface="宋体" panose="02010600030101010101" pitchFamily="2" charset="-122"/>
+            </a:endParaRPr>
+          </a:p>
+          <a:p>
+            <a:endParaRPr sz="1600">
+              <a:latin typeface="宋体" panose="02010600030101010101" pitchFamily="2" charset="-122"/>
+              <a:ea typeface="宋体" panose="02010600030101010101" pitchFamily="2" charset="-122"/>
+              <a:cs typeface="宋体" panose="02010600030101010101" pitchFamily="2" charset="-122"/>
+            </a:endParaRPr>
+          </a:p>
+          <a:p>
+            <a:r>
+              <a:rPr sz="1600">
+                <a:latin typeface="宋体" panose="02010600030101010101" pitchFamily="2" charset="-122"/>
+                <a:ea typeface="宋体" panose="02010600030101010101" pitchFamily="2" charset="-122"/>
+                <a:cs typeface="宋体" panose="02010600030101010101" pitchFamily="2" charset="-122"/>
+              </a:rPr>
+              <a:t>ThreadLocal是解决线程安全问题一个很好的思路，它通过为每个线程提供一个独立的变量副本解决了变量并发访问的冲突问题。在很多情况下，ThreadLocal比直接使用synchronized同步机制解决线程安全问题更简单，更方便，且结果程序拥有更高的并发性。</a:t>
+            </a:r>
+            <a:endParaRPr sz="1600">
+              <a:latin typeface="宋体" panose="02010600030101010101" pitchFamily="2" charset="-122"/>
+              <a:ea typeface="宋体" panose="02010600030101010101" pitchFamily="2" charset="-122"/>
+              <a:cs typeface="宋体" panose="02010600030101010101" pitchFamily="2" charset="-122"/>
+            </a:endParaRPr>
+          </a:p>
+          <a:p>
+            <a:endParaRPr sz="1600">
+              <a:latin typeface="宋体" panose="02010600030101010101" pitchFamily="2" charset="-122"/>
+              <a:ea typeface="宋体" panose="02010600030101010101" pitchFamily="2" charset="-122"/>
+              <a:cs typeface="宋体" panose="02010600030101010101" pitchFamily="2" charset="-122"/>
+            </a:endParaRPr>
+          </a:p>
+          <a:p>
+            <a:r>
+              <a:rPr sz="1600">
+                <a:latin typeface="宋体" panose="02010600030101010101" pitchFamily="2" charset="-122"/>
+                <a:ea typeface="宋体" panose="02010600030101010101" pitchFamily="2" charset="-122"/>
+                <a:cs typeface="宋体" panose="02010600030101010101" pitchFamily="2" charset="-122"/>
+              </a:rPr>
+              <a:t>ThreadLocal </a:t>
+            </a:r>
+            <a:r>
+              <a:rPr lang="zh-CN" sz="1600">
+                <a:latin typeface="宋体" panose="02010600030101010101" pitchFamily="2" charset="-122"/>
+                <a:ea typeface="宋体" panose="02010600030101010101" pitchFamily="2" charset="-122"/>
+                <a:cs typeface="宋体" panose="02010600030101010101" pitchFamily="2" charset="-122"/>
+              </a:rPr>
+              <a:t>使用后不主动释放并发量大的情况下会</a:t>
+            </a:r>
+            <a:r>
+              <a:rPr sz="1600">
+                <a:latin typeface="宋体" panose="02010600030101010101" pitchFamily="2" charset="-122"/>
+                <a:ea typeface="宋体" panose="02010600030101010101" pitchFamily="2" charset="-122"/>
+                <a:cs typeface="宋体" panose="02010600030101010101" pitchFamily="2" charset="-122"/>
+              </a:rPr>
+              <a:t>造成 OOM 内存溢出</a:t>
+            </a:r>
+            <a:r>
+              <a:rPr lang="zh-CN" sz="1600">
+                <a:latin typeface="宋体" panose="02010600030101010101" pitchFamily="2" charset="-122"/>
+                <a:ea typeface="宋体" panose="02010600030101010101" pitchFamily="2" charset="-122"/>
+                <a:cs typeface="宋体" panose="02010600030101010101" pitchFamily="2" charset="-122"/>
+              </a:rPr>
+              <a:t>风险。</a:t>
+            </a:r>
+            <a:endParaRPr lang="zh-CN" sz="1600">
+              <a:latin typeface="宋体" panose="02010600030101010101" pitchFamily="2" charset="-122"/>
+              <a:ea typeface="宋体" panose="02010600030101010101" pitchFamily="2" charset="-122"/>
+              <a:cs typeface="宋体" panose="02010600030101010101" pitchFamily="2" charset="-122"/>
+            </a:endParaRPr>
+          </a:p>
+        </p:txBody>
+      </p:sp>
+      <p:sp>
+        <p:nvSpPr>
+          <p:cNvPr id="6" name="文本框 5"/>
+          <p:cNvSpPr txBox="1"/>
+          <p:nvPr/>
+        </p:nvSpPr>
+        <p:spPr>
+          <a:xfrm>
+            <a:off x="332105" y="635635"/>
+            <a:ext cx="11591925" cy="583565"/>
+          </a:xfrm>
+          <a:prstGeom prst="rect">
+            <a:avLst/>
+          </a:prstGeom>
+          <a:noFill/>
+        </p:spPr>
+        <p:txBody>
+          <a:bodyPr wrap="square" rtlCol="0">
+            <a:spAutoFit/>
+          </a:bodyPr>
+          <a:p>
+            <a:pPr algn="ctr"/>
+            <a:r>
+              <a:rPr lang="zh-CN" altLang="en-US" sz="3200">
+                <a:latin typeface="+mj-ea"/>
+                <a:ea typeface="+mj-ea"/>
+                <a:cs typeface="+mj-ea"/>
+                <a:sym typeface="+mn-ea"/>
+              </a:rPr>
+              <a:t>ThreadLocal 线程变量</a:t>
+            </a:r>
+            <a:endParaRPr lang="zh-CN" altLang="en-US" sz="3200">
+              <a:latin typeface="+mj-ea"/>
+              <a:ea typeface="+mj-ea"/>
+              <a:cs typeface="+mj-ea"/>
+              <a:sym typeface="+mn-ea"/>
+            </a:endParaRPr>
+          </a:p>
+        </p:txBody>
+      </p:sp>
     </p:spTree>
     <p:custDataLst>
       <p:tags r:id="rId2"/>
@@ -14245,6 +14502,245 @@
 </file>
 
 <file path=ppt/slides/slide33.xml><?xml version="1.0" encoding="utf-8"?>
+<p:sld xmlns:a="http://schemas.openxmlformats.org/drawingml/2006/main" xmlns:r="http://schemas.openxmlformats.org/officeDocument/2006/relationships" xmlns:p="http://schemas.openxmlformats.org/presentationml/2006/main">
+  <p:cSld>
+    <p:bg>
+      <p:bgPr>
+        <a:blipFill rotWithShape="1">
+          <a:blip r:embed="rId1"/>
+          <a:stretch>
+            <a:fillRect/>
+          </a:stretch>
+        </a:blipFill>
+        <a:effectLst/>
+      </p:bgPr>
+    </p:bg>
+    <p:spTree>
+      <p:nvGrpSpPr>
+        <p:cNvPr id="1" name=""/>
+        <p:cNvGrpSpPr/>
+        <p:nvPr/>
+      </p:nvGrpSpPr>
+      <p:grpSpPr/>
+      <p:sp>
+        <p:nvSpPr>
+          <p:cNvPr id="6" name="文本框 5"/>
+          <p:cNvSpPr txBox="1"/>
+          <p:nvPr/>
+        </p:nvSpPr>
+        <p:spPr>
+          <a:xfrm>
+            <a:off x="332105" y="635635"/>
+            <a:ext cx="11591925" cy="583565"/>
+          </a:xfrm>
+          <a:prstGeom prst="rect">
+            <a:avLst/>
+          </a:prstGeom>
+          <a:noFill/>
+        </p:spPr>
+        <p:txBody>
+          <a:bodyPr wrap="square" rtlCol="0">
+            <a:spAutoFit/>
+          </a:bodyPr>
+          <a:p>
+            <a:pPr algn="ctr"/>
+            <a:r>
+              <a:rPr lang="zh-CN" altLang="en-US" sz="3200">
+                <a:latin typeface="+mj-ea"/>
+                <a:ea typeface="+mj-ea"/>
+                <a:cs typeface="+mj-ea"/>
+                <a:sym typeface="+mn-ea"/>
+              </a:rPr>
+              <a:t>定时任务</a:t>
+            </a:r>
+            <a:endParaRPr lang="zh-CN" altLang="en-US" sz="3200">
+              <a:latin typeface="+mj-ea"/>
+              <a:ea typeface="+mj-ea"/>
+              <a:cs typeface="+mj-ea"/>
+              <a:sym typeface="+mn-ea"/>
+            </a:endParaRPr>
+          </a:p>
+        </p:txBody>
+      </p:sp>
+      <p:sp>
+        <p:nvSpPr>
+          <p:cNvPr id="3" name="文本框 2"/>
+          <p:cNvSpPr txBox="1"/>
+          <p:nvPr/>
+        </p:nvSpPr>
+        <p:spPr>
+          <a:xfrm>
+            <a:off x="130175" y="1219200"/>
+            <a:ext cx="11931015" cy="2061210"/>
+          </a:xfrm>
+          <a:prstGeom prst="rect">
+            <a:avLst/>
+          </a:prstGeom>
+          <a:noFill/>
+        </p:spPr>
+        <p:txBody>
+          <a:bodyPr wrap="square" rtlCol="0">
+            <a:spAutoFit/>
+          </a:bodyPr>
+          <a:p>
+            <a:r>
+              <a:rPr lang="zh-CN" sz="1600">
+                <a:latin typeface="宋体" panose="02010600030101010101" pitchFamily="2" charset="-122"/>
+                <a:ea typeface="宋体" panose="02010600030101010101" pitchFamily="2" charset="-122"/>
+                <a:cs typeface="宋体" panose="02010600030101010101" pitchFamily="2" charset="-122"/>
+              </a:rPr>
+              <a:t>定时任务有两种方式：</a:t>
+            </a:r>
+            <a:endParaRPr lang="zh-CN" sz="1600">
+              <a:latin typeface="宋体" panose="02010600030101010101" pitchFamily="2" charset="-122"/>
+              <a:ea typeface="宋体" panose="02010600030101010101" pitchFamily="2" charset="-122"/>
+              <a:cs typeface="宋体" panose="02010600030101010101" pitchFamily="2" charset="-122"/>
+            </a:endParaRPr>
+          </a:p>
+          <a:p>
+            <a:r>
+              <a:rPr lang="en-US" altLang="zh-CN" sz="1600">
+                <a:latin typeface="宋体" panose="02010600030101010101" pitchFamily="2" charset="-122"/>
+                <a:ea typeface="宋体" panose="02010600030101010101" pitchFamily="2" charset="-122"/>
+                <a:cs typeface="宋体" panose="02010600030101010101" pitchFamily="2" charset="-122"/>
+              </a:rPr>
+              <a:t>	Timer 定时器</a:t>
+            </a:r>
+            <a:endParaRPr lang="en-US" altLang="zh-CN" sz="1600">
+              <a:latin typeface="宋体" panose="02010600030101010101" pitchFamily="2" charset="-122"/>
+              <a:ea typeface="宋体" panose="02010600030101010101" pitchFamily="2" charset="-122"/>
+              <a:cs typeface="宋体" panose="02010600030101010101" pitchFamily="2" charset="-122"/>
+            </a:endParaRPr>
+          </a:p>
+          <a:p>
+            <a:r>
+              <a:rPr lang="en-US" altLang="zh-CN" sz="1600">
+                <a:latin typeface="宋体" panose="02010600030101010101" pitchFamily="2" charset="-122"/>
+                <a:ea typeface="宋体" panose="02010600030101010101" pitchFamily="2" charset="-122"/>
+                <a:cs typeface="宋体" panose="02010600030101010101" pitchFamily="2" charset="-122"/>
+              </a:rPr>
+              <a:t>	ScheduledExecutor </a:t>
+            </a:r>
+            <a:r>
+              <a:rPr lang="zh-CN" altLang="en-US" sz="1600">
+                <a:latin typeface="宋体" panose="02010600030101010101" pitchFamily="2" charset="-122"/>
+                <a:ea typeface="宋体" panose="02010600030101010101" pitchFamily="2" charset="-122"/>
+                <a:cs typeface="宋体" panose="02010600030101010101" pitchFamily="2" charset="-122"/>
+              </a:rPr>
+              <a:t>（ScheduledThreadPoolExecutor 来替代 Timer）</a:t>
+            </a:r>
+            <a:endParaRPr lang="zh-CN" altLang="en-US" sz="1600">
+              <a:latin typeface="宋体" panose="02010600030101010101" pitchFamily="2" charset="-122"/>
+              <a:ea typeface="宋体" panose="02010600030101010101" pitchFamily="2" charset="-122"/>
+              <a:cs typeface="宋体" panose="02010600030101010101" pitchFamily="2" charset="-122"/>
+            </a:endParaRPr>
+          </a:p>
+          <a:p>
+            <a:endParaRPr lang="zh-CN" altLang="en-US" sz="1600">
+              <a:latin typeface="宋体" panose="02010600030101010101" pitchFamily="2" charset="-122"/>
+              <a:ea typeface="宋体" panose="02010600030101010101" pitchFamily="2" charset="-122"/>
+              <a:cs typeface="宋体" panose="02010600030101010101" pitchFamily="2" charset="-122"/>
+            </a:endParaRPr>
+          </a:p>
+          <a:p>
+            <a:r>
+              <a:rPr lang="en-US" altLang="zh-CN" sz="1600">
+                <a:latin typeface="宋体" panose="02010600030101010101" pitchFamily="2" charset="-122"/>
+                <a:ea typeface="宋体" panose="02010600030101010101" pitchFamily="2" charset="-122"/>
+                <a:cs typeface="宋体" panose="02010600030101010101" pitchFamily="2" charset="-122"/>
+              </a:rPr>
+              <a:t>Timer </a:t>
+            </a:r>
+            <a:r>
+              <a:rPr lang="zh-CN" altLang="en-US" sz="1600">
+                <a:latin typeface="宋体" panose="02010600030101010101" pitchFamily="2" charset="-122"/>
+                <a:ea typeface="宋体" panose="02010600030101010101" pitchFamily="2" charset="-122"/>
+                <a:cs typeface="宋体" panose="02010600030101010101" pitchFamily="2" charset="-122"/>
+              </a:rPr>
+              <a:t>局限性：</a:t>
+            </a:r>
+            <a:endParaRPr lang="zh-CN" altLang="en-US" sz="1600">
+              <a:latin typeface="宋体" panose="02010600030101010101" pitchFamily="2" charset="-122"/>
+              <a:ea typeface="宋体" panose="02010600030101010101" pitchFamily="2" charset="-122"/>
+              <a:cs typeface="宋体" panose="02010600030101010101" pitchFamily="2" charset="-122"/>
+            </a:endParaRPr>
+          </a:p>
+          <a:p>
+            <a:r>
+              <a:rPr lang="en-US" altLang="zh-CN" sz="1600">
+                <a:latin typeface="宋体" panose="02010600030101010101" pitchFamily="2" charset="-122"/>
+                <a:ea typeface="宋体" panose="02010600030101010101" pitchFamily="2" charset="-122"/>
+                <a:cs typeface="宋体" panose="02010600030101010101" pitchFamily="2" charset="-122"/>
+              </a:rPr>
+              <a:t> 	后台调度任务的线程只有一个，所以导致任务是阻塞运行的，一旦其中一个任务执行周期过长将会影响到其他任务。</a:t>
+            </a:r>
+            <a:endParaRPr lang="en-US" altLang="zh-CN" sz="1600">
+              <a:latin typeface="宋体" panose="02010600030101010101" pitchFamily="2" charset="-122"/>
+              <a:ea typeface="宋体" panose="02010600030101010101" pitchFamily="2" charset="-122"/>
+              <a:cs typeface="宋体" panose="02010600030101010101" pitchFamily="2" charset="-122"/>
+            </a:endParaRPr>
+          </a:p>
+          <a:p>
+            <a:r>
+              <a:rPr lang="en-US" altLang="zh-CN" sz="1600">
+                <a:latin typeface="宋体" panose="02010600030101010101" pitchFamily="2" charset="-122"/>
+                <a:ea typeface="宋体" panose="02010600030101010101" pitchFamily="2" charset="-122"/>
+                <a:cs typeface="宋体" panose="02010600030101010101" pitchFamily="2" charset="-122"/>
+              </a:rPr>
+              <a:t>	Timer 本身没有捕获其他异常（只捕获了 InterruptedException），一旦任务出现异常（比如空指针）将导致后续任务不会被执行。</a:t>
+            </a:r>
+            <a:endParaRPr lang="en-US" altLang="zh-CN" sz="1600">
+              <a:latin typeface="宋体" panose="02010600030101010101" pitchFamily="2" charset="-122"/>
+              <a:ea typeface="宋体" panose="02010600030101010101" pitchFamily="2" charset="-122"/>
+              <a:cs typeface="宋体" panose="02010600030101010101" pitchFamily="2" charset="-122"/>
+            </a:endParaRPr>
+          </a:p>
+        </p:txBody>
+      </p:sp>
+    </p:spTree>
+    <p:custDataLst>
+      <p:tags r:id="rId2"/>
+    </p:custDataLst>
+  </p:cSld>
+  <p:clrMapOvr>
+    <a:masterClrMapping/>
+  </p:clrMapOvr>
+</p:sld>
+</file>
+
+<file path=ppt/slides/slide34.xml><?xml version="1.0" encoding="utf-8"?>
+<p:sld xmlns:a="http://schemas.openxmlformats.org/drawingml/2006/main" xmlns:r="http://schemas.openxmlformats.org/officeDocument/2006/relationships" xmlns:p="http://schemas.openxmlformats.org/presentationml/2006/main">
+  <p:cSld>
+    <p:bg>
+      <p:bgPr>
+        <a:blipFill rotWithShape="1">
+          <a:blip r:embed="rId1"/>
+          <a:stretch>
+            <a:fillRect/>
+          </a:stretch>
+        </a:blipFill>
+        <a:effectLst/>
+      </p:bgPr>
+    </p:bg>
+    <p:spTree>
+      <p:nvGrpSpPr>
+        <p:cNvPr id="1" name=""/>
+        <p:cNvGrpSpPr/>
+        <p:nvPr/>
+      </p:nvGrpSpPr>
+      <p:grpSpPr/>
+    </p:spTree>
+    <p:custDataLst>
+      <p:tags r:id="rId2"/>
+    </p:custDataLst>
+  </p:cSld>
+  <p:clrMapOvr>
+    <a:masterClrMapping/>
+  </p:clrMapOvr>
+</p:sld>
+</file>
+
+<file path=ppt/slides/slide35.xml><?xml version="1.0" encoding="utf-8"?>
 <p:sld xmlns:a="http://schemas.openxmlformats.org/drawingml/2006/main" xmlns:r="http://schemas.openxmlformats.org/officeDocument/2006/relationships" xmlns:p="http://schemas.openxmlformats.org/presentationml/2006/main">
   <p:cSld>
     <p:bg>
@@ -18965,6 +19461,24 @@
 </file>
 
 <file path=ppt/tags/tag110.xml><?xml version="1.0" encoding="utf-8"?>
+<p:tagLst xmlns:p="http://schemas.openxmlformats.org/presentationml/2006/main">
+  <p:tag name="KSO_WM_BEAUTIFY_FLAG" val="#wm#"/>
+  <p:tag name="KSO_WM_TEMPLATE_CATEGORY" val="custom"/>
+  <p:tag name="KSO_WM_TEMPLATE_INDEX" val="20203858"/>
+  <p:tag name="KSO_WM_SPECIAL_SOURCE" val="bdnull"/>
+</p:tagLst>
+</file>
+
+<file path=ppt/tags/tag111.xml><?xml version="1.0" encoding="utf-8"?>
+<p:tagLst xmlns:p="http://schemas.openxmlformats.org/presentationml/2006/main">
+  <p:tag name="KSO_WM_BEAUTIFY_FLAG" val="#wm#"/>
+  <p:tag name="KSO_WM_TEMPLATE_CATEGORY" val="custom"/>
+  <p:tag name="KSO_WM_TEMPLATE_INDEX" val="20203858"/>
+  <p:tag name="KSO_WM_SPECIAL_SOURCE" val="bdnull"/>
+</p:tagLst>
+</file>
+
+<file path=ppt/tags/tag112.xml><?xml version="1.0" encoding="utf-8"?>
 <p:tagLst xmlns:p="http://schemas.openxmlformats.org/presentationml/2006/main">
   <p:tag name="KSO_WM_BEAUTIFY_FLAG" val="#wm#"/>
   <p:tag name="KSO_WM_TEMPLATE_CATEGORY" val="custom"/>

--- a/基础PPT/第10章：Java并发基础.pptx
+++ b/基础PPT/第10章：Java并发基础.pptx
@@ -41,8 +41,19 @@
     <p:sldId id="710" r:id="rId34"/>
     <p:sldId id="747" r:id="rId35"/>
     <p:sldId id="750" r:id="rId36"/>
-    <p:sldId id="713" r:id="rId37"/>
-    <p:sldId id="662" r:id="rId38"/>
+    <p:sldId id="755" r:id="rId37"/>
+    <p:sldId id="713" r:id="rId38"/>
+    <p:sldId id="753" r:id="rId39"/>
+    <p:sldId id="756" r:id="rId40"/>
+    <p:sldId id="757" r:id="rId41"/>
+    <p:sldId id="758" r:id="rId42"/>
+    <p:sldId id="763" r:id="rId43"/>
+    <p:sldId id="754" r:id="rId44"/>
+    <p:sldId id="759" r:id="rId45"/>
+    <p:sldId id="760" r:id="rId46"/>
+    <p:sldId id="761" r:id="rId47"/>
+    <p:sldId id="762" r:id="rId48"/>
+    <p:sldId id="662" r:id="rId49"/>
   </p:sldIdLst>
   <p:sldSz cx="12192000" cy="6858000"/>
   <p:notesSz cx="6858000" cy="9144000"/>
@@ -8873,7 +8884,45 @@
                 <a:ea typeface="宋体" panose="02010600030101010101" pitchFamily="2" charset="-122"/>
                 <a:cs typeface="宋体" panose="02010600030101010101" pitchFamily="2" charset="-122"/>
               </a:rPr>
-              <a:t>由于同一进程的多个线程共享同一片存储空间，在带来方便的同时，也带来了访问冲突这个严重的问题。Java语言提供了专门机制以解决这种冲突，有效避免了同一个数据对象被多个线程同时访问。</a:t>
+              <a:t>由于同一进程的多个线程共享同一片存储空间，在带来方便的同时，也带来了</a:t>
+            </a:r>
+            <a:r>
+              <a:rPr lang="zh-CN" altLang="en-US" sz="1600" b="1">
+                <a:solidFill>
+                  <a:srgbClr val="FF0000"/>
+                </a:solidFill>
+                <a:latin typeface="宋体" panose="02010600030101010101" pitchFamily="2" charset="-122"/>
+                <a:ea typeface="宋体" panose="02010600030101010101" pitchFamily="2" charset="-122"/>
+                <a:cs typeface="宋体" panose="02010600030101010101" pitchFamily="2" charset="-122"/>
+              </a:rPr>
+              <a:t>访问冲突这个严重的问题</a:t>
+            </a:r>
+            <a:r>
+              <a:rPr lang="zh-CN" altLang="en-US" sz="1600">
+                <a:latin typeface="宋体" panose="02010600030101010101" pitchFamily="2" charset="-122"/>
+                <a:ea typeface="宋体" panose="02010600030101010101" pitchFamily="2" charset="-122"/>
+                <a:cs typeface="宋体" panose="02010600030101010101" pitchFamily="2" charset="-122"/>
+              </a:rPr>
+              <a:t>。Java语言提供了专门机制以</a:t>
+            </a:r>
+            <a:r>
+              <a:rPr lang="zh-CN" altLang="en-US" sz="1600" b="1">
+                <a:solidFill>
+                  <a:srgbClr val="FF0000"/>
+                </a:solidFill>
+                <a:latin typeface="宋体" panose="02010600030101010101" pitchFamily="2" charset="-122"/>
+                <a:ea typeface="宋体" panose="02010600030101010101" pitchFamily="2" charset="-122"/>
+                <a:cs typeface="宋体" panose="02010600030101010101" pitchFamily="2" charset="-122"/>
+              </a:rPr>
+              <a:t>解决这种冲突</a:t>
+            </a:r>
+            <a:r>
+              <a:rPr lang="zh-CN" altLang="en-US" sz="1600">
+                <a:latin typeface="宋体" panose="02010600030101010101" pitchFamily="2" charset="-122"/>
+                <a:ea typeface="宋体" panose="02010600030101010101" pitchFamily="2" charset="-122"/>
+                <a:cs typeface="宋体" panose="02010600030101010101" pitchFamily="2" charset="-122"/>
+              </a:rPr>
+              <a:t>，有效避免了同一个数据对象被多个线程同时访问。</a:t>
             </a:r>
             <a:endParaRPr lang="zh-CN" altLang="en-US" sz="1600">
               <a:latin typeface="宋体" panose="02010600030101010101" pitchFamily="2" charset="-122"/>
@@ -14729,6 +14778,157 @@
         <p:nvPr/>
       </p:nvGrpSpPr>
       <p:grpSpPr/>
+      <p:sp>
+        <p:nvSpPr>
+          <p:cNvPr id="6" name="文本框 5"/>
+          <p:cNvSpPr txBox="1"/>
+          <p:nvPr/>
+        </p:nvSpPr>
+        <p:spPr>
+          <a:xfrm>
+            <a:off x="332105" y="635635"/>
+            <a:ext cx="11591925" cy="583565"/>
+          </a:xfrm>
+          <a:prstGeom prst="rect">
+            <a:avLst/>
+          </a:prstGeom>
+          <a:noFill/>
+        </p:spPr>
+        <p:txBody>
+          <a:bodyPr wrap="square" rtlCol="0">
+            <a:spAutoFit/>
+          </a:bodyPr>
+          <a:p>
+            <a:pPr algn="ctr"/>
+            <a:r>
+              <a:rPr lang="zh-CN" altLang="en-US" sz="3200">
+                <a:latin typeface="+mj-ea"/>
+                <a:ea typeface="+mj-ea"/>
+                <a:cs typeface="+mj-ea"/>
+                <a:sym typeface="+mn-ea"/>
+              </a:rPr>
+              <a:t>JVM之指令重排</a:t>
+            </a:r>
+            <a:endParaRPr lang="zh-CN" altLang="en-US" sz="3200">
+              <a:latin typeface="+mj-ea"/>
+              <a:ea typeface="+mj-ea"/>
+              <a:cs typeface="+mj-ea"/>
+              <a:sym typeface="+mn-ea"/>
+            </a:endParaRPr>
+          </a:p>
+        </p:txBody>
+      </p:sp>
+      <p:sp>
+        <p:nvSpPr>
+          <p:cNvPr id="3" name="文本框 2"/>
+          <p:cNvSpPr txBox="1"/>
+          <p:nvPr/>
+        </p:nvSpPr>
+        <p:spPr>
+          <a:xfrm>
+            <a:off x="130175" y="1219200"/>
+            <a:ext cx="11931015" cy="2799715"/>
+          </a:xfrm>
+          <a:prstGeom prst="rect">
+            <a:avLst/>
+          </a:prstGeom>
+          <a:noFill/>
+        </p:spPr>
+        <p:txBody>
+          <a:bodyPr wrap="square" rtlCol="0">
+            <a:spAutoFit/>
+          </a:bodyPr>
+          <a:p>
+            <a:r>
+              <a:rPr lang="zh-CN" sz="1600">
+                <a:latin typeface="宋体" panose="02010600030101010101" pitchFamily="2" charset="-122"/>
+                <a:ea typeface="宋体" panose="02010600030101010101" pitchFamily="2" charset="-122"/>
+                <a:cs typeface="宋体" panose="02010600030101010101" pitchFamily="2" charset="-122"/>
+              </a:rPr>
+              <a:t>在Java中看似顺序的代码在JVM中，可能会出现编译器或者CPU对这些操作指令进行了重新排序；在特定情况下，指令重排将会给我们的程序带来不确定的结果.....</a:t>
+            </a:r>
+            <a:endParaRPr lang="zh-CN" sz="1600">
+              <a:latin typeface="宋体" panose="02010600030101010101" pitchFamily="2" charset="-122"/>
+              <a:ea typeface="宋体" panose="02010600030101010101" pitchFamily="2" charset="-122"/>
+              <a:cs typeface="宋体" panose="02010600030101010101" pitchFamily="2" charset="-122"/>
+            </a:endParaRPr>
+          </a:p>
+          <a:p>
+            <a:endParaRPr lang="zh-CN" sz="1600">
+              <a:latin typeface="宋体" panose="02010600030101010101" pitchFamily="2" charset="-122"/>
+              <a:ea typeface="宋体" panose="02010600030101010101" pitchFamily="2" charset="-122"/>
+              <a:cs typeface="宋体" panose="02010600030101010101" pitchFamily="2" charset="-122"/>
+            </a:endParaRPr>
+          </a:p>
+          <a:p>
+            <a:r>
+              <a:rPr lang="zh-CN" sz="1600">
+                <a:latin typeface="宋体" panose="02010600030101010101" pitchFamily="2" charset="-122"/>
+                <a:ea typeface="宋体" panose="02010600030101010101" pitchFamily="2" charset="-122"/>
+                <a:cs typeface="宋体" panose="02010600030101010101" pitchFamily="2" charset="-122"/>
+              </a:rPr>
+              <a:t>1.  什么是指令重排？</a:t>
+            </a:r>
+            <a:endParaRPr lang="zh-CN" sz="1600">
+              <a:latin typeface="宋体" panose="02010600030101010101" pitchFamily="2" charset="-122"/>
+              <a:ea typeface="宋体" panose="02010600030101010101" pitchFamily="2" charset="-122"/>
+              <a:cs typeface="宋体" panose="02010600030101010101" pitchFamily="2" charset="-122"/>
+            </a:endParaRPr>
+          </a:p>
+          <a:p>
+            <a:r>
+              <a:rPr lang="zh-CN" sz="1600">
+                <a:latin typeface="宋体" panose="02010600030101010101" pitchFamily="2" charset="-122"/>
+                <a:ea typeface="宋体" panose="02010600030101010101" pitchFamily="2" charset="-122"/>
+                <a:cs typeface="宋体" panose="02010600030101010101" pitchFamily="2" charset="-122"/>
+              </a:rPr>
+              <a:t>      在计算机执行指令的顺序在经过程序编译器编译之后形成的指令序列，一般而言，这个指令序列是会输出确定的结果；以确保每一次的执行都有确定的结果。但是，一般情况下，CPU和编译器为了提升程序执行的效率，会按照一定的规则允许进行指令优化，在某些情况下，这种优化会带来一些执行的逻辑问题，主要的原因是代码逻辑之间是存在一定的先后顺序，在并发执行情况下，会发生二义性，即按照不同的执行逻辑，会得到不同的结果信息。</a:t>
+            </a:r>
+            <a:endParaRPr lang="zh-CN" sz="1600">
+              <a:latin typeface="宋体" panose="02010600030101010101" pitchFamily="2" charset="-122"/>
+              <a:ea typeface="宋体" panose="02010600030101010101" pitchFamily="2" charset="-122"/>
+              <a:cs typeface="宋体" panose="02010600030101010101" pitchFamily="2" charset="-122"/>
+            </a:endParaRPr>
+          </a:p>
+          <a:p>
+            <a:endParaRPr lang="zh-CN" sz="1600">
+              <a:latin typeface="宋体" panose="02010600030101010101" pitchFamily="2" charset="-122"/>
+              <a:ea typeface="宋体" panose="02010600030101010101" pitchFamily="2" charset="-122"/>
+              <a:cs typeface="宋体" panose="02010600030101010101" pitchFamily="2" charset="-122"/>
+            </a:endParaRPr>
+          </a:p>
+          <a:p>
+            <a:r>
+              <a:rPr lang="zh-CN" sz="1600">
+                <a:latin typeface="宋体" panose="02010600030101010101" pitchFamily="2" charset="-122"/>
+                <a:ea typeface="宋体" panose="02010600030101010101" pitchFamily="2" charset="-122"/>
+                <a:cs typeface="宋体" panose="02010600030101010101" pitchFamily="2" charset="-122"/>
+              </a:rPr>
+              <a:t> 2.  数据依赖性</a:t>
+            </a:r>
+            <a:endParaRPr lang="zh-CN" sz="1600">
+              <a:latin typeface="宋体" panose="02010600030101010101" pitchFamily="2" charset="-122"/>
+              <a:ea typeface="宋体" panose="02010600030101010101" pitchFamily="2" charset="-122"/>
+              <a:cs typeface="宋体" panose="02010600030101010101" pitchFamily="2" charset="-122"/>
+            </a:endParaRPr>
+          </a:p>
+          <a:p>
+            <a:r>
+              <a:rPr lang="zh-CN" sz="1600">
+                <a:latin typeface="宋体" panose="02010600030101010101" pitchFamily="2" charset="-122"/>
+                <a:ea typeface="宋体" panose="02010600030101010101" pitchFamily="2" charset="-122"/>
+                <a:cs typeface="宋体" panose="02010600030101010101" pitchFamily="2" charset="-122"/>
+              </a:rPr>
+              <a:t>    主要指不同的程序指令之间的顺序是不允许进行交互的，即可称这些程序指令之间存在数据依赖性。</a:t>
+            </a:r>
+            <a:endParaRPr lang="zh-CN" sz="1600">
+              <a:latin typeface="宋体" panose="02010600030101010101" pitchFamily="2" charset="-122"/>
+              <a:ea typeface="宋体" panose="02010600030101010101" pitchFamily="2" charset="-122"/>
+              <a:cs typeface="宋体" panose="02010600030101010101" pitchFamily="2" charset="-122"/>
+            </a:endParaRPr>
+          </a:p>
+        </p:txBody>
+      </p:sp>
     </p:spTree>
     <p:custDataLst>
       <p:tags r:id="rId2"/>
@@ -14761,6 +14961,722 @@
         <p:nvPr/>
       </p:nvGrpSpPr>
       <p:grpSpPr/>
+      <p:pic>
+        <p:nvPicPr>
+          <p:cNvPr id="5" name="图片 4"/>
+          <p:cNvPicPr>
+            <a:picLocks noChangeAspect="1"/>
+          </p:cNvPicPr>
+          <p:nvPr/>
+        </p:nvPicPr>
+        <p:blipFill>
+          <a:blip r:embed="rId2"/>
+          <a:stretch>
+            <a:fillRect/>
+          </a:stretch>
+        </p:blipFill>
+        <p:spPr>
+          <a:xfrm>
+            <a:off x="0" y="0"/>
+            <a:ext cx="6202680" cy="6537960"/>
+          </a:xfrm>
+          <a:prstGeom prst="rect">
+            <a:avLst/>
+          </a:prstGeom>
+        </p:spPr>
+      </p:pic>
+      <p:pic>
+        <p:nvPicPr>
+          <p:cNvPr id="6" name="图片 5"/>
+          <p:cNvPicPr>
+            <a:picLocks noChangeAspect="1"/>
+          </p:cNvPicPr>
+          <p:nvPr/>
+        </p:nvPicPr>
+        <p:blipFill>
+          <a:blip r:embed="rId3"/>
+          <a:stretch>
+            <a:fillRect/>
+          </a:stretch>
+        </p:blipFill>
+        <p:spPr>
+          <a:xfrm>
+            <a:off x="10286365" y="158750"/>
+            <a:ext cx="1729740" cy="1043940"/>
+          </a:xfrm>
+          <a:prstGeom prst="rect">
+            <a:avLst/>
+          </a:prstGeom>
+        </p:spPr>
+      </p:pic>
+      <p:pic>
+        <p:nvPicPr>
+          <p:cNvPr id="7" name="图片 6"/>
+          <p:cNvPicPr>
+            <a:picLocks noChangeAspect="1"/>
+          </p:cNvPicPr>
+          <p:nvPr/>
+        </p:nvPicPr>
+        <p:blipFill>
+          <a:blip r:embed="rId4"/>
+          <a:stretch>
+            <a:fillRect/>
+          </a:stretch>
+        </p:blipFill>
+        <p:spPr>
+          <a:xfrm>
+            <a:off x="5749925" y="3384550"/>
+            <a:ext cx="6393180" cy="3429000"/>
+          </a:xfrm>
+          <a:prstGeom prst="rect">
+            <a:avLst/>
+          </a:prstGeom>
+        </p:spPr>
+      </p:pic>
+    </p:spTree>
+    <p:custDataLst>
+      <p:tags r:id="rId5"/>
+    </p:custDataLst>
+  </p:cSld>
+  <p:clrMapOvr>
+    <a:masterClrMapping/>
+  </p:clrMapOvr>
+</p:sld>
+</file>
+
+<file path=ppt/slides/slide36.xml><?xml version="1.0" encoding="utf-8"?>
+<p:sld xmlns:a="http://schemas.openxmlformats.org/drawingml/2006/main" xmlns:r="http://schemas.openxmlformats.org/officeDocument/2006/relationships" xmlns:p="http://schemas.openxmlformats.org/presentationml/2006/main">
+  <p:cSld>
+    <p:bg>
+      <p:bgPr>
+        <a:blipFill rotWithShape="1">
+          <a:blip r:embed="rId1"/>
+          <a:stretch>
+            <a:fillRect/>
+          </a:stretch>
+        </a:blipFill>
+        <a:effectLst/>
+      </p:bgPr>
+    </p:bg>
+    <p:spTree>
+      <p:nvGrpSpPr>
+        <p:cNvPr id="1" name=""/>
+        <p:cNvGrpSpPr/>
+        <p:nvPr/>
+      </p:nvGrpSpPr>
+      <p:grpSpPr/>
+      <p:pic>
+        <p:nvPicPr>
+          <p:cNvPr id="2" name="图片 1"/>
+          <p:cNvPicPr>
+            <a:picLocks noChangeAspect="1"/>
+          </p:cNvPicPr>
+          <p:nvPr/>
+        </p:nvPicPr>
+        <p:blipFill>
+          <a:blip r:embed="rId2"/>
+          <a:stretch>
+            <a:fillRect/>
+          </a:stretch>
+        </p:blipFill>
+        <p:spPr>
+          <a:xfrm>
+            <a:off x="1996440" y="461010"/>
+            <a:ext cx="8199120" cy="5935980"/>
+          </a:xfrm>
+          <a:prstGeom prst="rect">
+            <a:avLst/>
+          </a:prstGeom>
+        </p:spPr>
+      </p:pic>
+    </p:spTree>
+    <p:custDataLst>
+      <p:tags r:id="rId3"/>
+    </p:custDataLst>
+  </p:cSld>
+  <p:clrMapOvr>
+    <a:masterClrMapping/>
+  </p:clrMapOvr>
+</p:sld>
+</file>
+
+<file path=ppt/slides/slide37.xml><?xml version="1.0" encoding="utf-8"?>
+<p:sld xmlns:a="http://schemas.openxmlformats.org/drawingml/2006/main" xmlns:r="http://schemas.openxmlformats.org/officeDocument/2006/relationships" xmlns:p="http://schemas.openxmlformats.org/presentationml/2006/main">
+  <p:cSld>
+    <p:bg>
+      <p:bgPr>
+        <a:blipFill rotWithShape="1">
+          <a:blip r:embed="rId1"/>
+          <a:stretch>
+            <a:fillRect/>
+          </a:stretch>
+        </a:blipFill>
+        <a:effectLst/>
+      </p:bgPr>
+    </p:bg>
+    <p:spTree>
+      <p:nvGrpSpPr>
+        <p:cNvPr id="1" name=""/>
+        <p:cNvGrpSpPr/>
+        <p:nvPr/>
+      </p:nvGrpSpPr>
+      <p:grpSpPr/>
+      <p:sp>
+        <p:nvSpPr>
+          <p:cNvPr id="3" name="文本框 2"/>
+          <p:cNvSpPr txBox="1"/>
+          <p:nvPr/>
+        </p:nvSpPr>
+        <p:spPr>
+          <a:xfrm>
+            <a:off x="130175" y="763905"/>
+            <a:ext cx="11931015" cy="2799715"/>
+          </a:xfrm>
+          <a:prstGeom prst="rect">
+            <a:avLst/>
+          </a:prstGeom>
+          <a:noFill/>
+        </p:spPr>
+        <p:txBody>
+          <a:bodyPr wrap="square" rtlCol="0">
+            <a:spAutoFit/>
+          </a:bodyPr>
+          <a:p>
+            <a:r>
+              <a:rPr lang="zh-CN" sz="1600">
+                <a:latin typeface="宋体" panose="02010600030101010101" pitchFamily="2" charset="-122"/>
+                <a:ea typeface="宋体" panose="02010600030101010101" pitchFamily="2" charset="-122"/>
+                <a:cs typeface="宋体" panose="02010600030101010101" pitchFamily="2" charset="-122"/>
+              </a:rPr>
+              <a:t>在并发编程中，我们通常会遇到以下三个问题：原子性问题，可见性问题，有序性问题。</a:t>
+            </a:r>
+            <a:endParaRPr lang="zh-CN" sz="1600">
+              <a:latin typeface="宋体" panose="02010600030101010101" pitchFamily="2" charset="-122"/>
+              <a:ea typeface="宋体" panose="02010600030101010101" pitchFamily="2" charset="-122"/>
+              <a:cs typeface="宋体" panose="02010600030101010101" pitchFamily="2" charset="-122"/>
+            </a:endParaRPr>
+          </a:p>
+          <a:p>
+            <a:endParaRPr lang="zh-CN" sz="1600">
+              <a:latin typeface="宋体" panose="02010600030101010101" pitchFamily="2" charset="-122"/>
+              <a:ea typeface="宋体" panose="02010600030101010101" pitchFamily="2" charset="-122"/>
+              <a:cs typeface="宋体" panose="02010600030101010101" pitchFamily="2" charset="-122"/>
+            </a:endParaRPr>
+          </a:p>
+          <a:p>
+            <a:r>
+              <a:rPr lang="zh-CN" sz="1600">
+                <a:latin typeface="宋体" panose="02010600030101010101" pitchFamily="2" charset="-122"/>
+                <a:ea typeface="宋体" panose="02010600030101010101" pitchFamily="2" charset="-122"/>
+                <a:cs typeface="宋体" panose="02010600030101010101" pitchFamily="2" charset="-122"/>
+              </a:rPr>
+              <a:t>1.原子性</a:t>
+            </a:r>
+            <a:endParaRPr lang="zh-CN" sz="1600">
+              <a:latin typeface="宋体" panose="02010600030101010101" pitchFamily="2" charset="-122"/>
+              <a:ea typeface="宋体" panose="02010600030101010101" pitchFamily="2" charset="-122"/>
+              <a:cs typeface="宋体" panose="02010600030101010101" pitchFamily="2" charset="-122"/>
+            </a:endParaRPr>
+          </a:p>
+          <a:p>
+            <a:r>
+              <a:rPr lang="zh-CN" sz="1600">
+                <a:latin typeface="宋体" panose="02010600030101010101" pitchFamily="2" charset="-122"/>
+                <a:ea typeface="宋体" panose="02010600030101010101" pitchFamily="2" charset="-122"/>
+                <a:cs typeface="宋体" panose="02010600030101010101" pitchFamily="2" charset="-122"/>
+              </a:rPr>
+              <a:t>　　原子性：即一个操作或者多个操作，要么全部执行并且执行的过程不会被任何因素打断，要么就都不执行。</a:t>
+            </a:r>
+            <a:endParaRPr lang="zh-CN" sz="1600">
+              <a:latin typeface="宋体" panose="02010600030101010101" pitchFamily="2" charset="-122"/>
+              <a:ea typeface="宋体" panose="02010600030101010101" pitchFamily="2" charset="-122"/>
+              <a:cs typeface="宋体" panose="02010600030101010101" pitchFamily="2" charset="-122"/>
+            </a:endParaRPr>
+          </a:p>
+          <a:p>
+            <a:r>
+              <a:rPr lang="zh-CN" sz="1600">
+                <a:latin typeface="宋体" panose="02010600030101010101" pitchFamily="2" charset="-122"/>
+                <a:ea typeface="宋体" panose="02010600030101010101" pitchFamily="2" charset="-122"/>
+                <a:cs typeface="宋体" panose="02010600030101010101" pitchFamily="2" charset="-122"/>
+              </a:rPr>
+              <a:t>　　一个很经典的例子就是银行账户转账问题：</a:t>
+            </a:r>
+            <a:endParaRPr lang="zh-CN" sz="1600">
+              <a:latin typeface="宋体" panose="02010600030101010101" pitchFamily="2" charset="-122"/>
+              <a:ea typeface="宋体" panose="02010600030101010101" pitchFamily="2" charset="-122"/>
+              <a:cs typeface="宋体" panose="02010600030101010101" pitchFamily="2" charset="-122"/>
+            </a:endParaRPr>
+          </a:p>
+          <a:p>
+            <a:r>
+              <a:rPr lang="zh-CN" sz="1600">
+                <a:latin typeface="宋体" panose="02010600030101010101" pitchFamily="2" charset="-122"/>
+                <a:ea typeface="宋体" panose="02010600030101010101" pitchFamily="2" charset="-122"/>
+                <a:cs typeface="宋体" panose="02010600030101010101" pitchFamily="2" charset="-122"/>
+              </a:rPr>
+              <a:t>　　比如从账户A向账户B转1000元，那么必然包括2个操作：从账户A减去1000元，往账户B加上1000元。</a:t>
+            </a:r>
+            <a:endParaRPr lang="zh-CN" sz="1600">
+              <a:latin typeface="宋体" panose="02010600030101010101" pitchFamily="2" charset="-122"/>
+              <a:ea typeface="宋体" panose="02010600030101010101" pitchFamily="2" charset="-122"/>
+              <a:cs typeface="宋体" panose="02010600030101010101" pitchFamily="2" charset="-122"/>
+            </a:endParaRPr>
+          </a:p>
+          <a:p>
+            <a:r>
+              <a:rPr lang="zh-CN" sz="1600">
+                <a:latin typeface="宋体" panose="02010600030101010101" pitchFamily="2" charset="-122"/>
+                <a:ea typeface="宋体" panose="02010600030101010101" pitchFamily="2" charset="-122"/>
+                <a:cs typeface="宋体" panose="02010600030101010101" pitchFamily="2" charset="-122"/>
+              </a:rPr>
+              <a:t>　　试想一下，如果这2个操作不具备原子性，会造成什么样的后果。假如从账户A减去1000元之后，操作突然中止。然后又从B取出了500元，取出500元之后，再执行 往账户B加上1000元 的操作。这样就会导致账户A虽然减去了1000元，但是账户B没有收到这个转过来的1000元。</a:t>
+            </a:r>
+            <a:endParaRPr lang="zh-CN" sz="1600">
+              <a:latin typeface="宋体" panose="02010600030101010101" pitchFamily="2" charset="-122"/>
+              <a:ea typeface="宋体" panose="02010600030101010101" pitchFamily="2" charset="-122"/>
+              <a:cs typeface="宋体" panose="02010600030101010101" pitchFamily="2" charset="-122"/>
+            </a:endParaRPr>
+          </a:p>
+          <a:p>
+            <a:r>
+              <a:rPr lang="zh-CN" sz="1600">
+                <a:latin typeface="宋体" panose="02010600030101010101" pitchFamily="2" charset="-122"/>
+                <a:ea typeface="宋体" panose="02010600030101010101" pitchFamily="2" charset="-122"/>
+                <a:cs typeface="宋体" panose="02010600030101010101" pitchFamily="2" charset="-122"/>
+              </a:rPr>
+              <a:t>　　所以这2个操作必须要具备原子性才能保证不出现一些意外的问题。</a:t>
+            </a:r>
+            <a:endParaRPr lang="zh-CN" sz="1600">
+              <a:latin typeface="宋体" panose="02010600030101010101" pitchFamily="2" charset="-122"/>
+              <a:ea typeface="宋体" panose="02010600030101010101" pitchFamily="2" charset="-122"/>
+              <a:cs typeface="宋体" panose="02010600030101010101" pitchFamily="2" charset="-122"/>
+            </a:endParaRPr>
+          </a:p>
+          <a:p>
+            <a:r>
+              <a:rPr lang="zh-CN" sz="1600">
+                <a:latin typeface="宋体" panose="02010600030101010101" pitchFamily="2" charset="-122"/>
+                <a:ea typeface="宋体" panose="02010600030101010101" pitchFamily="2" charset="-122"/>
+                <a:cs typeface="宋体" panose="02010600030101010101" pitchFamily="2" charset="-122"/>
+              </a:rPr>
+              <a:t>　　同样地反映到并发编程中会出现什么结果呢？</a:t>
+            </a:r>
+            <a:endParaRPr lang="zh-CN" sz="1600">
+              <a:latin typeface="宋体" panose="02010600030101010101" pitchFamily="2" charset="-122"/>
+              <a:ea typeface="宋体" panose="02010600030101010101" pitchFamily="2" charset="-122"/>
+              <a:cs typeface="宋体" panose="02010600030101010101" pitchFamily="2" charset="-122"/>
+            </a:endParaRPr>
+          </a:p>
+        </p:txBody>
+      </p:sp>
+    </p:spTree>
+    <p:custDataLst>
+      <p:tags r:id="rId2"/>
+    </p:custDataLst>
+  </p:cSld>
+  <p:clrMapOvr>
+    <a:masterClrMapping/>
+  </p:clrMapOvr>
+</p:sld>
+</file>
+
+<file path=ppt/slides/slide38.xml><?xml version="1.0" encoding="utf-8"?>
+<p:sld xmlns:a="http://schemas.openxmlformats.org/drawingml/2006/main" xmlns:r="http://schemas.openxmlformats.org/officeDocument/2006/relationships" xmlns:p="http://schemas.openxmlformats.org/presentationml/2006/main">
+  <p:cSld>
+    <p:bg>
+      <p:bgPr>
+        <a:blipFill rotWithShape="1">
+          <a:blip r:embed="rId1"/>
+          <a:stretch>
+            <a:fillRect/>
+          </a:stretch>
+        </a:blipFill>
+        <a:effectLst/>
+      </p:bgPr>
+    </p:bg>
+    <p:spTree>
+      <p:nvGrpSpPr>
+        <p:cNvPr id="1" name=""/>
+        <p:cNvGrpSpPr/>
+        <p:nvPr/>
+      </p:nvGrpSpPr>
+      <p:grpSpPr/>
+      <p:sp>
+        <p:nvSpPr>
+          <p:cNvPr id="3" name="文本框 2"/>
+          <p:cNvSpPr txBox="1"/>
+          <p:nvPr/>
+        </p:nvSpPr>
+        <p:spPr>
+          <a:xfrm>
+            <a:off x="130810" y="864235"/>
+            <a:ext cx="11931015" cy="3046095"/>
+          </a:xfrm>
+          <a:prstGeom prst="rect">
+            <a:avLst/>
+          </a:prstGeom>
+          <a:noFill/>
+        </p:spPr>
+        <p:txBody>
+          <a:bodyPr wrap="square" rtlCol="0">
+            <a:spAutoFit/>
+          </a:bodyPr>
+          <a:p>
+            <a:r>
+              <a:rPr lang="zh-CN" sz="1600">
+                <a:latin typeface="宋体" panose="02010600030101010101" pitchFamily="2" charset="-122"/>
+                <a:ea typeface="宋体" panose="02010600030101010101" pitchFamily="2" charset="-122"/>
+                <a:cs typeface="宋体" panose="02010600030101010101" pitchFamily="2" charset="-122"/>
+              </a:rPr>
+              <a:t>2.可见性</a:t>
+            </a:r>
+            <a:endParaRPr lang="zh-CN" sz="1600">
+              <a:latin typeface="宋体" panose="02010600030101010101" pitchFamily="2" charset="-122"/>
+              <a:ea typeface="宋体" panose="02010600030101010101" pitchFamily="2" charset="-122"/>
+              <a:cs typeface="宋体" panose="02010600030101010101" pitchFamily="2" charset="-122"/>
+            </a:endParaRPr>
+          </a:p>
+          <a:p>
+            <a:r>
+              <a:rPr lang="zh-CN" sz="1600">
+                <a:latin typeface="宋体" panose="02010600030101010101" pitchFamily="2" charset="-122"/>
+                <a:ea typeface="宋体" panose="02010600030101010101" pitchFamily="2" charset="-122"/>
+                <a:cs typeface="宋体" panose="02010600030101010101" pitchFamily="2" charset="-122"/>
+              </a:rPr>
+              <a:t>　　可见性是指当多个线程访问同一个变量时，一个线程修改了这个变量的值，其他线程能够立即看得到修改的值。</a:t>
+            </a:r>
+            <a:endParaRPr lang="zh-CN" sz="1600">
+              <a:latin typeface="宋体" panose="02010600030101010101" pitchFamily="2" charset="-122"/>
+              <a:ea typeface="宋体" panose="02010600030101010101" pitchFamily="2" charset="-122"/>
+              <a:cs typeface="宋体" panose="02010600030101010101" pitchFamily="2" charset="-122"/>
+            </a:endParaRPr>
+          </a:p>
+          <a:p>
+            <a:r>
+              <a:rPr lang="zh-CN" sz="1600">
+                <a:latin typeface="宋体" panose="02010600030101010101" pitchFamily="2" charset="-122"/>
+                <a:ea typeface="宋体" panose="02010600030101010101" pitchFamily="2" charset="-122"/>
+                <a:cs typeface="宋体" panose="02010600030101010101" pitchFamily="2" charset="-122"/>
+              </a:rPr>
+              <a:t>//线程1执行的代码</a:t>
+            </a:r>
+            <a:endParaRPr lang="zh-CN" sz="1600">
+              <a:latin typeface="宋体" panose="02010600030101010101" pitchFamily="2" charset="-122"/>
+              <a:ea typeface="宋体" panose="02010600030101010101" pitchFamily="2" charset="-122"/>
+              <a:cs typeface="宋体" panose="02010600030101010101" pitchFamily="2" charset="-122"/>
+            </a:endParaRPr>
+          </a:p>
+          <a:p>
+            <a:r>
+              <a:rPr lang="zh-CN" sz="1600">
+                <a:latin typeface="宋体" panose="02010600030101010101" pitchFamily="2" charset="-122"/>
+                <a:ea typeface="宋体" panose="02010600030101010101" pitchFamily="2" charset="-122"/>
+                <a:cs typeface="宋体" panose="02010600030101010101" pitchFamily="2" charset="-122"/>
+              </a:rPr>
+              <a:t>int i = 0;</a:t>
+            </a:r>
+            <a:endParaRPr lang="zh-CN" sz="1600">
+              <a:latin typeface="宋体" panose="02010600030101010101" pitchFamily="2" charset="-122"/>
+              <a:ea typeface="宋体" panose="02010600030101010101" pitchFamily="2" charset="-122"/>
+              <a:cs typeface="宋体" panose="02010600030101010101" pitchFamily="2" charset="-122"/>
+            </a:endParaRPr>
+          </a:p>
+          <a:p>
+            <a:r>
+              <a:rPr lang="zh-CN" sz="1600">
+                <a:latin typeface="宋体" panose="02010600030101010101" pitchFamily="2" charset="-122"/>
+                <a:ea typeface="宋体" panose="02010600030101010101" pitchFamily="2" charset="-122"/>
+                <a:cs typeface="宋体" panose="02010600030101010101" pitchFamily="2" charset="-122"/>
+              </a:rPr>
+              <a:t>i = 10;</a:t>
+            </a:r>
+            <a:endParaRPr lang="zh-CN" sz="1600">
+              <a:latin typeface="宋体" panose="02010600030101010101" pitchFamily="2" charset="-122"/>
+              <a:ea typeface="宋体" panose="02010600030101010101" pitchFamily="2" charset="-122"/>
+              <a:cs typeface="宋体" panose="02010600030101010101" pitchFamily="2" charset="-122"/>
+            </a:endParaRPr>
+          </a:p>
+          <a:p>
+            <a:r>
+              <a:rPr lang="zh-CN" sz="1600">
+                <a:latin typeface="宋体" panose="02010600030101010101" pitchFamily="2" charset="-122"/>
+                <a:ea typeface="宋体" panose="02010600030101010101" pitchFamily="2" charset="-122"/>
+                <a:cs typeface="宋体" panose="02010600030101010101" pitchFamily="2" charset="-122"/>
+              </a:rPr>
+              <a:t>//线程2执行的代码</a:t>
+            </a:r>
+            <a:endParaRPr lang="zh-CN" sz="1600">
+              <a:latin typeface="宋体" panose="02010600030101010101" pitchFamily="2" charset="-122"/>
+              <a:ea typeface="宋体" panose="02010600030101010101" pitchFamily="2" charset="-122"/>
+              <a:cs typeface="宋体" panose="02010600030101010101" pitchFamily="2" charset="-122"/>
+            </a:endParaRPr>
+          </a:p>
+          <a:p>
+            <a:r>
+              <a:rPr lang="zh-CN" sz="1600">
+                <a:latin typeface="宋体" panose="02010600030101010101" pitchFamily="2" charset="-122"/>
+                <a:ea typeface="宋体" panose="02010600030101010101" pitchFamily="2" charset="-122"/>
+                <a:cs typeface="宋体" panose="02010600030101010101" pitchFamily="2" charset="-122"/>
+              </a:rPr>
+              <a:t>j = i;</a:t>
+            </a:r>
+            <a:endParaRPr lang="zh-CN" sz="1600">
+              <a:latin typeface="宋体" panose="02010600030101010101" pitchFamily="2" charset="-122"/>
+              <a:ea typeface="宋体" panose="02010600030101010101" pitchFamily="2" charset="-122"/>
+              <a:cs typeface="宋体" panose="02010600030101010101" pitchFamily="2" charset="-122"/>
+            </a:endParaRPr>
+          </a:p>
+          <a:p>
+            <a:r>
+              <a:rPr lang="zh-CN" sz="1600">
+                <a:latin typeface="宋体" panose="02010600030101010101" pitchFamily="2" charset="-122"/>
+                <a:ea typeface="宋体" panose="02010600030101010101" pitchFamily="2" charset="-122"/>
+                <a:cs typeface="宋体" panose="02010600030101010101" pitchFamily="2" charset="-122"/>
+              </a:rPr>
+              <a:t> 　　假若执行线程1的是CPU1，执行线程2的是CPU2。由上面的分析可知，当线程1执行 i =10这句时，会先把i的初始值加载到CPU1的高速缓存中，然后赋值为10，那么在CPU1的高速缓存当中i的值变为10了，却没有立即写入到主存当中。</a:t>
+            </a:r>
+            <a:endParaRPr lang="zh-CN" sz="1600">
+              <a:latin typeface="宋体" panose="02010600030101010101" pitchFamily="2" charset="-122"/>
+              <a:ea typeface="宋体" panose="02010600030101010101" pitchFamily="2" charset="-122"/>
+              <a:cs typeface="宋体" panose="02010600030101010101" pitchFamily="2" charset="-122"/>
+            </a:endParaRPr>
+          </a:p>
+          <a:p>
+            <a:r>
+              <a:rPr lang="zh-CN" sz="1600">
+                <a:latin typeface="宋体" panose="02010600030101010101" pitchFamily="2" charset="-122"/>
+                <a:ea typeface="宋体" panose="02010600030101010101" pitchFamily="2" charset="-122"/>
+                <a:cs typeface="宋体" panose="02010600030101010101" pitchFamily="2" charset="-122"/>
+              </a:rPr>
+              <a:t>　　此时线程2执行 j = i，它会先去主存读取i的值并加载到CPU2的缓存当中，注意此时内存当中i的值还是0，那么就会使得j的值为0，而不是10.</a:t>
+            </a:r>
+            <a:endParaRPr lang="zh-CN" sz="1600">
+              <a:latin typeface="宋体" panose="02010600030101010101" pitchFamily="2" charset="-122"/>
+              <a:ea typeface="宋体" panose="02010600030101010101" pitchFamily="2" charset="-122"/>
+              <a:cs typeface="宋体" panose="02010600030101010101" pitchFamily="2" charset="-122"/>
+            </a:endParaRPr>
+          </a:p>
+          <a:p>
+            <a:r>
+              <a:rPr lang="zh-CN" sz="1600">
+                <a:latin typeface="宋体" panose="02010600030101010101" pitchFamily="2" charset="-122"/>
+                <a:ea typeface="宋体" panose="02010600030101010101" pitchFamily="2" charset="-122"/>
+                <a:cs typeface="宋体" panose="02010600030101010101" pitchFamily="2" charset="-122"/>
+              </a:rPr>
+              <a:t>　　这就是可见性问题，线程1对变量i修改了之后，线程2没有立即看到线程1修改的值。</a:t>
+            </a:r>
+            <a:endParaRPr lang="zh-CN" sz="1600">
+              <a:latin typeface="宋体" panose="02010600030101010101" pitchFamily="2" charset="-122"/>
+              <a:ea typeface="宋体" panose="02010600030101010101" pitchFamily="2" charset="-122"/>
+              <a:cs typeface="宋体" panose="02010600030101010101" pitchFamily="2" charset="-122"/>
+            </a:endParaRPr>
+          </a:p>
+        </p:txBody>
+      </p:sp>
+    </p:spTree>
+    <p:custDataLst>
+      <p:tags r:id="rId2"/>
+    </p:custDataLst>
+  </p:cSld>
+  <p:clrMapOvr>
+    <a:masterClrMapping/>
+  </p:clrMapOvr>
+</p:sld>
+</file>
+
+<file path=ppt/slides/slide39.xml><?xml version="1.0" encoding="utf-8"?>
+<p:sld xmlns:a="http://schemas.openxmlformats.org/drawingml/2006/main" xmlns:r="http://schemas.openxmlformats.org/officeDocument/2006/relationships" xmlns:p="http://schemas.openxmlformats.org/presentationml/2006/main">
+  <p:cSld>
+    <p:bg>
+      <p:bgPr>
+        <a:blipFill rotWithShape="1">
+          <a:blip r:embed="rId1"/>
+          <a:stretch>
+            <a:fillRect/>
+          </a:stretch>
+        </a:blipFill>
+        <a:effectLst/>
+      </p:bgPr>
+    </p:bg>
+    <p:spTree>
+      <p:nvGrpSpPr>
+        <p:cNvPr id="1" name=""/>
+        <p:cNvGrpSpPr/>
+        <p:nvPr/>
+      </p:nvGrpSpPr>
+      <p:grpSpPr/>
+      <p:sp>
+        <p:nvSpPr>
+          <p:cNvPr id="3" name="文本框 2"/>
+          <p:cNvSpPr txBox="1"/>
+          <p:nvPr/>
+        </p:nvSpPr>
+        <p:spPr>
+          <a:xfrm>
+            <a:off x="130810" y="864235"/>
+            <a:ext cx="11931015" cy="3784600"/>
+          </a:xfrm>
+          <a:prstGeom prst="rect">
+            <a:avLst/>
+          </a:prstGeom>
+          <a:noFill/>
+        </p:spPr>
+        <p:txBody>
+          <a:bodyPr wrap="square" rtlCol="0">
+            <a:spAutoFit/>
+          </a:bodyPr>
+          <a:p>
+            <a:r>
+              <a:rPr lang="zh-CN" sz="1600">
+                <a:latin typeface="宋体" panose="02010600030101010101" pitchFamily="2" charset="-122"/>
+                <a:ea typeface="宋体" panose="02010600030101010101" pitchFamily="2" charset="-122"/>
+                <a:cs typeface="宋体" panose="02010600030101010101" pitchFamily="2" charset="-122"/>
+              </a:rPr>
+              <a:t>3.有序性</a:t>
+            </a:r>
+            <a:endParaRPr lang="zh-CN" sz="1600">
+              <a:latin typeface="宋体" panose="02010600030101010101" pitchFamily="2" charset="-122"/>
+              <a:ea typeface="宋体" panose="02010600030101010101" pitchFamily="2" charset="-122"/>
+              <a:cs typeface="宋体" panose="02010600030101010101" pitchFamily="2" charset="-122"/>
+            </a:endParaRPr>
+          </a:p>
+          <a:p>
+            <a:r>
+              <a:rPr lang="zh-CN" sz="1600">
+                <a:latin typeface="宋体" panose="02010600030101010101" pitchFamily="2" charset="-122"/>
+                <a:ea typeface="宋体" panose="02010600030101010101" pitchFamily="2" charset="-122"/>
+                <a:cs typeface="宋体" panose="02010600030101010101" pitchFamily="2" charset="-122"/>
+              </a:rPr>
+              <a:t>　　有序性：即程序执行的顺序按照代码的先后顺序执行。举个简单的例子，看下面这段代码：</a:t>
+            </a:r>
+            <a:endParaRPr lang="zh-CN" sz="1600">
+              <a:latin typeface="宋体" panose="02010600030101010101" pitchFamily="2" charset="-122"/>
+              <a:ea typeface="宋体" panose="02010600030101010101" pitchFamily="2" charset="-122"/>
+              <a:cs typeface="宋体" panose="02010600030101010101" pitchFamily="2" charset="-122"/>
+            </a:endParaRPr>
+          </a:p>
+          <a:p>
+            <a:r>
+              <a:rPr lang="zh-CN" sz="1600">
+                <a:latin typeface="宋体" panose="02010600030101010101" pitchFamily="2" charset="-122"/>
+                <a:ea typeface="宋体" panose="02010600030101010101" pitchFamily="2" charset="-122"/>
+                <a:cs typeface="宋体" panose="02010600030101010101" pitchFamily="2" charset="-122"/>
+              </a:rPr>
+              <a:t>int i = 0;              </a:t>
+            </a:r>
+            <a:endParaRPr lang="zh-CN" sz="1600">
+              <a:latin typeface="宋体" panose="02010600030101010101" pitchFamily="2" charset="-122"/>
+              <a:ea typeface="宋体" panose="02010600030101010101" pitchFamily="2" charset="-122"/>
+              <a:cs typeface="宋体" panose="02010600030101010101" pitchFamily="2" charset="-122"/>
+            </a:endParaRPr>
+          </a:p>
+          <a:p>
+            <a:r>
+              <a:rPr lang="zh-CN" sz="1600">
+                <a:latin typeface="宋体" panose="02010600030101010101" pitchFamily="2" charset="-122"/>
+                <a:ea typeface="宋体" panose="02010600030101010101" pitchFamily="2" charset="-122"/>
+                <a:cs typeface="宋体" panose="02010600030101010101" pitchFamily="2" charset="-122"/>
+              </a:rPr>
+              <a:t>boolean flag = false;</a:t>
+            </a:r>
+            <a:endParaRPr lang="zh-CN" sz="1600">
+              <a:latin typeface="宋体" panose="02010600030101010101" pitchFamily="2" charset="-122"/>
+              <a:ea typeface="宋体" panose="02010600030101010101" pitchFamily="2" charset="-122"/>
+              <a:cs typeface="宋体" panose="02010600030101010101" pitchFamily="2" charset="-122"/>
+            </a:endParaRPr>
+          </a:p>
+          <a:p>
+            <a:r>
+              <a:rPr lang="zh-CN" sz="1600">
+                <a:latin typeface="宋体" panose="02010600030101010101" pitchFamily="2" charset="-122"/>
+                <a:ea typeface="宋体" panose="02010600030101010101" pitchFamily="2" charset="-122"/>
+                <a:cs typeface="宋体" panose="02010600030101010101" pitchFamily="2" charset="-122"/>
+              </a:rPr>
+              <a:t>i = 1;                //语句1  </a:t>
+            </a:r>
+            <a:endParaRPr lang="zh-CN" sz="1600">
+              <a:latin typeface="宋体" panose="02010600030101010101" pitchFamily="2" charset="-122"/>
+              <a:ea typeface="宋体" panose="02010600030101010101" pitchFamily="2" charset="-122"/>
+              <a:cs typeface="宋体" panose="02010600030101010101" pitchFamily="2" charset="-122"/>
+            </a:endParaRPr>
+          </a:p>
+          <a:p>
+            <a:r>
+              <a:rPr lang="zh-CN" sz="1600">
+                <a:latin typeface="宋体" panose="02010600030101010101" pitchFamily="2" charset="-122"/>
+                <a:ea typeface="宋体" panose="02010600030101010101" pitchFamily="2" charset="-122"/>
+                <a:cs typeface="宋体" panose="02010600030101010101" pitchFamily="2" charset="-122"/>
+              </a:rPr>
+              <a:t>flag = true;          //语句2</a:t>
+            </a:r>
+            <a:endParaRPr lang="zh-CN" sz="1600">
+              <a:latin typeface="宋体" panose="02010600030101010101" pitchFamily="2" charset="-122"/>
+              <a:ea typeface="宋体" panose="02010600030101010101" pitchFamily="2" charset="-122"/>
+              <a:cs typeface="宋体" panose="02010600030101010101" pitchFamily="2" charset="-122"/>
+            </a:endParaRPr>
+          </a:p>
+          <a:p>
+            <a:r>
+              <a:rPr lang="zh-CN" sz="1600">
+                <a:latin typeface="宋体" panose="02010600030101010101" pitchFamily="2" charset="-122"/>
+                <a:ea typeface="宋体" panose="02010600030101010101" pitchFamily="2" charset="-122"/>
+                <a:cs typeface="宋体" panose="02010600030101010101" pitchFamily="2" charset="-122"/>
+              </a:rPr>
+              <a:t> 　　上面代码定义了一个int型变量，定义了一个boolean类型变量，然后分别对两个变量进行赋值操作。从代码顺序上看，语句1是在语句2前面的，那么JVM在真正执行这段代码的时候会保证语句1一定会在语句2前面执行吗？不一定，为什么呢？这里可能会发生指令重排序（Instruction Reorder）。</a:t>
+            </a:r>
+            <a:endParaRPr lang="zh-CN" sz="1600">
+              <a:latin typeface="宋体" panose="02010600030101010101" pitchFamily="2" charset="-122"/>
+              <a:ea typeface="宋体" panose="02010600030101010101" pitchFamily="2" charset="-122"/>
+              <a:cs typeface="宋体" panose="02010600030101010101" pitchFamily="2" charset="-122"/>
+            </a:endParaRPr>
+          </a:p>
+          <a:p>
+            <a:endParaRPr lang="zh-CN" sz="1600">
+              <a:latin typeface="宋体" panose="02010600030101010101" pitchFamily="2" charset="-122"/>
+              <a:ea typeface="宋体" panose="02010600030101010101" pitchFamily="2" charset="-122"/>
+              <a:cs typeface="宋体" panose="02010600030101010101" pitchFamily="2" charset="-122"/>
+            </a:endParaRPr>
+          </a:p>
+          <a:p>
+            <a:r>
+              <a:rPr lang="zh-CN" sz="1600">
+                <a:latin typeface="宋体" panose="02010600030101010101" pitchFamily="2" charset="-122"/>
+                <a:ea typeface="宋体" panose="02010600030101010101" pitchFamily="2" charset="-122"/>
+                <a:cs typeface="宋体" panose="02010600030101010101" pitchFamily="2" charset="-122"/>
+              </a:rPr>
+              <a:t>　　下面解释一下什么是指令重排序，一般来说，处理器为了提高程序运行效率，可能会对输入代码进行优化，它不保证程序中各个语句的执行先后顺序同代码中的顺序一致，但是它会保证程序最终执行结果和代码顺序执行的结果是一致的。</a:t>
+            </a:r>
+            <a:endParaRPr lang="zh-CN" sz="1600">
+              <a:latin typeface="宋体" panose="02010600030101010101" pitchFamily="2" charset="-122"/>
+              <a:ea typeface="宋体" panose="02010600030101010101" pitchFamily="2" charset="-122"/>
+              <a:cs typeface="宋体" panose="02010600030101010101" pitchFamily="2" charset="-122"/>
+            </a:endParaRPr>
+          </a:p>
+          <a:p>
+            <a:endParaRPr lang="zh-CN" sz="1600">
+              <a:latin typeface="宋体" panose="02010600030101010101" pitchFamily="2" charset="-122"/>
+              <a:ea typeface="宋体" panose="02010600030101010101" pitchFamily="2" charset="-122"/>
+              <a:cs typeface="宋体" panose="02010600030101010101" pitchFamily="2" charset="-122"/>
+            </a:endParaRPr>
+          </a:p>
+          <a:p>
+            <a:r>
+              <a:rPr lang="zh-CN" sz="1600">
+                <a:latin typeface="宋体" panose="02010600030101010101" pitchFamily="2" charset="-122"/>
+                <a:ea typeface="宋体" panose="02010600030101010101" pitchFamily="2" charset="-122"/>
+                <a:cs typeface="宋体" panose="02010600030101010101" pitchFamily="2" charset="-122"/>
+              </a:rPr>
+              <a:t>　　比如上面的代码中，语句1和语句2谁先执行对最终的程序结果并没有影响，那么就有可能在执行过程中，语句2先执行而语句1后执行。</a:t>
+            </a:r>
+            <a:endParaRPr lang="zh-CN" sz="1600">
+              <a:latin typeface="宋体" panose="02010600030101010101" pitchFamily="2" charset="-122"/>
+              <a:ea typeface="宋体" panose="02010600030101010101" pitchFamily="2" charset="-122"/>
+              <a:cs typeface="宋体" panose="02010600030101010101" pitchFamily="2" charset="-122"/>
+            </a:endParaRPr>
+          </a:p>
+        </p:txBody>
+      </p:sp>
     </p:spTree>
     <p:custDataLst>
       <p:tags r:id="rId2"/>
@@ -17948,6 +18864,847 @@
           </a:p>
         </p:txBody>
       </p:sp>
+    </p:spTree>
+    <p:custDataLst>
+      <p:tags r:id="rId2"/>
+    </p:custDataLst>
+  </p:cSld>
+  <p:clrMapOvr>
+    <a:masterClrMapping/>
+  </p:clrMapOvr>
+</p:sld>
+</file>
+
+<file path=ppt/slides/slide40.xml><?xml version="1.0" encoding="utf-8"?>
+<p:sld xmlns:a="http://schemas.openxmlformats.org/drawingml/2006/main" xmlns:r="http://schemas.openxmlformats.org/officeDocument/2006/relationships" xmlns:p="http://schemas.openxmlformats.org/presentationml/2006/main">
+  <p:cSld>
+    <p:bg>
+      <p:bgPr>
+        <a:blipFill rotWithShape="1">
+          <a:blip r:embed="rId1"/>
+          <a:stretch>
+            <a:fillRect/>
+          </a:stretch>
+        </a:blipFill>
+        <a:effectLst/>
+      </p:bgPr>
+    </p:bg>
+    <p:spTree>
+      <p:nvGrpSpPr>
+        <p:cNvPr id="1" name=""/>
+        <p:cNvGrpSpPr/>
+        <p:nvPr/>
+      </p:nvGrpSpPr>
+      <p:grpSpPr/>
+      <p:sp>
+        <p:nvSpPr>
+          <p:cNvPr id="3" name="文本框 2"/>
+          <p:cNvSpPr txBox="1"/>
+          <p:nvPr/>
+        </p:nvSpPr>
+        <p:spPr>
+          <a:xfrm>
+            <a:off x="130810" y="864235"/>
+            <a:ext cx="11931015" cy="2306955"/>
+          </a:xfrm>
+          <a:prstGeom prst="rect">
+            <a:avLst/>
+          </a:prstGeom>
+          <a:noFill/>
+        </p:spPr>
+        <p:txBody>
+          <a:bodyPr wrap="square" rtlCol="0">
+            <a:spAutoFit/>
+          </a:bodyPr>
+          <a:p>
+            <a:r>
+              <a:rPr lang="zh-CN" sz="1600">
+                <a:latin typeface="宋体" panose="02010600030101010101" pitchFamily="2" charset="-122"/>
+                <a:ea typeface="宋体" panose="02010600030101010101" pitchFamily="2" charset="-122"/>
+                <a:cs typeface="宋体" panose="02010600030101010101" pitchFamily="2" charset="-122"/>
+              </a:rPr>
+              <a:t>volatile是java虚拟机提供的</a:t>
+            </a:r>
+            <a:r>
+              <a:rPr lang="zh-CN" sz="1600" b="1">
+                <a:solidFill>
+                  <a:srgbClr val="FF0000"/>
+                </a:solidFill>
+                <a:latin typeface="宋体" panose="02010600030101010101" pitchFamily="2" charset="-122"/>
+                <a:ea typeface="宋体" panose="02010600030101010101" pitchFamily="2" charset="-122"/>
+                <a:cs typeface="宋体" panose="02010600030101010101" pitchFamily="2" charset="-122"/>
+              </a:rPr>
+              <a:t>轻量级</a:t>
+            </a:r>
+            <a:r>
+              <a:rPr lang="zh-CN" sz="1600">
+                <a:latin typeface="宋体" panose="02010600030101010101" pitchFamily="2" charset="-122"/>
+                <a:ea typeface="宋体" panose="02010600030101010101" pitchFamily="2" charset="-122"/>
+                <a:cs typeface="宋体" panose="02010600030101010101" pitchFamily="2" charset="-122"/>
+              </a:rPr>
+              <a:t>的同步机制</a:t>
+            </a:r>
+            <a:endParaRPr lang="zh-CN" sz="1600">
+              <a:latin typeface="宋体" panose="02010600030101010101" pitchFamily="2" charset="-122"/>
+              <a:ea typeface="宋体" panose="02010600030101010101" pitchFamily="2" charset="-122"/>
+              <a:cs typeface="宋体" panose="02010600030101010101" pitchFamily="2" charset="-122"/>
+            </a:endParaRPr>
+          </a:p>
+          <a:p>
+            <a:endParaRPr lang="zh-CN" sz="1600">
+              <a:latin typeface="宋体" panose="02010600030101010101" pitchFamily="2" charset="-122"/>
+              <a:ea typeface="宋体" panose="02010600030101010101" pitchFamily="2" charset="-122"/>
+              <a:cs typeface="宋体" panose="02010600030101010101" pitchFamily="2" charset="-122"/>
+            </a:endParaRPr>
+          </a:p>
+          <a:p>
+            <a:r>
+              <a:rPr lang="zh-CN" sz="1600">
+                <a:latin typeface="宋体" panose="02010600030101010101" pitchFamily="2" charset="-122"/>
+                <a:ea typeface="宋体" panose="02010600030101010101" pitchFamily="2" charset="-122"/>
+                <a:cs typeface="宋体" panose="02010600030101010101" pitchFamily="2" charset="-122"/>
+              </a:rPr>
+              <a:t>JMM（Java内存模型）是围绕着并发编程中原子性、可见性、有序性这三个特征来建立的</a:t>
+            </a:r>
+            <a:endParaRPr lang="zh-CN" sz="1600">
+              <a:latin typeface="宋体" panose="02010600030101010101" pitchFamily="2" charset="-122"/>
+              <a:ea typeface="宋体" panose="02010600030101010101" pitchFamily="2" charset="-122"/>
+              <a:cs typeface="宋体" panose="02010600030101010101" pitchFamily="2" charset="-122"/>
+            </a:endParaRPr>
+          </a:p>
+          <a:p>
+            <a:endParaRPr lang="zh-CN" sz="1600">
+              <a:latin typeface="宋体" panose="02010600030101010101" pitchFamily="2" charset="-122"/>
+              <a:ea typeface="宋体" panose="02010600030101010101" pitchFamily="2" charset="-122"/>
+              <a:cs typeface="宋体" panose="02010600030101010101" pitchFamily="2" charset="-122"/>
+            </a:endParaRPr>
+          </a:p>
+          <a:p>
+            <a:r>
+              <a:rPr lang="zh-CN" sz="1600">
+                <a:latin typeface="宋体" panose="02010600030101010101" pitchFamily="2" charset="-122"/>
+                <a:ea typeface="宋体" panose="02010600030101010101" pitchFamily="2" charset="-122"/>
+                <a:cs typeface="宋体" panose="02010600030101010101" pitchFamily="2" charset="-122"/>
+              </a:rPr>
+              <a:t>原子性：一个操作或多个操作要么全部执行完成且执行过程不被中断，要么就不执行。</a:t>
+            </a:r>
+            <a:endParaRPr lang="zh-CN" sz="1600">
+              <a:latin typeface="宋体" panose="02010600030101010101" pitchFamily="2" charset="-122"/>
+              <a:ea typeface="宋体" panose="02010600030101010101" pitchFamily="2" charset="-122"/>
+              <a:cs typeface="宋体" panose="02010600030101010101" pitchFamily="2" charset="-122"/>
+            </a:endParaRPr>
+          </a:p>
+          <a:p>
+            <a:r>
+              <a:rPr lang="zh-CN" sz="1600">
+                <a:latin typeface="宋体" panose="02010600030101010101" pitchFamily="2" charset="-122"/>
+                <a:ea typeface="宋体" panose="02010600030101010101" pitchFamily="2" charset="-122"/>
+                <a:cs typeface="宋体" panose="02010600030101010101" pitchFamily="2" charset="-122"/>
+              </a:rPr>
+              <a:t>可见性：当多个线程同时访问同一个变量时，一个线程修改了这个变量的值，其他线程能够立即看得到修改的值。</a:t>
+            </a:r>
+            <a:endParaRPr lang="zh-CN" sz="1600">
+              <a:latin typeface="宋体" panose="02010600030101010101" pitchFamily="2" charset="-122"/>
+              <a:ea typeface="宋体" panose="02010600030101010101" pitchFamily="2" charset="-122"/>
+              <a:cs typeface="宋体" panose="02010600030101010101" pitchFamily="2" charset="-122"/>
+            </a:endParaRPr>
+          </a:p>
+          <a:p>
+            <a:r>
+              <a:rPr lang="zh-CN" sz="1600">
+                <a:latin typeface="宋体" panose="02010600030101010101" pitchFamily="2" charset="-122"/>
+                <a:ea typeface="宋体" panose="02010600030101010101" pitchFamily="2" charset="-122"/>
+                <a:cs typeface="宋体" panose="02010600030101010101" pitchFamily="2" charset="-122"/>
+              </a:rPr>
+              <a:t>有序性：程序执行的顺序按照代码的先后顺序执行。</a:t>
+            </a:r>
+            <a:endParaRPr lang="zh-CN" sz="1600">
+              <a:latin typeface="宋体" panose="02010600030101010101" pitchFamily="2" charset="-122"/>
+              <a:ea typeface="宋体" panose="02010600030101010101" pitchFamily="2" charset="-122"/>
+              <a:cs typeface="宋体" panose="02010600030101010101" pitchFamily="2" charset="-122"/>
+            </a:endParaRPr>
+          </a:p>
+          <a:p>
+            <a:endParaRPr lang="zh-CN" sz="1600">
+              <a:latin typeface="宋体" panose="02010600030101010101" pitchFamily="2" charset="-122"/>
+              <a:ea typeface="宋体" panose="02010600030101010101" pitchFamily="2" charset="-122"/>
+              <a:cs typeface="宋体" panose="02010600030101010101" pitchFamily="2" charset="-122"/>
+            </a:endParaRPr>
+          </a:p>
+          <a:p>
+            <a:r>
+              <a:rPr lang="zh-CN" sz="1600">
+                <a:latin typeface="宋体" panose="02010600030101010101" pitchFamily="2" charset="-122"/>
+                <a:ea typeface="宋体" panose="02010600030101010101" pitchFamily="2" charset="-122"/>
+                <a:cs typeface="宋体" panose="02010600030101010101" pitchFamily="2" charset="-122"/>
+              </a:rPr>
+              <a:t>volatile保证了</a:t>
+            </a:r>
+            <a:r>
+              <a:rPr lang="zh-CN" sz="1600" b="1">
+                <a:solidFill>
+                  <a:srgbClr val="FF0000"/>
+                </a:solidFill>
+                <a:latin typeface="宋体" panose="02010600030101010101" pitchFamily="2" charset="-122"/>
+                <a:ea typeface="宋体" panose="02010600030101010101" pitchFamily="2" charset="-122"/>
+                <a:cs typeface="宋体" panose="02010600030101010101" pitchFamily="2" charset="-122"/>
+              </a:rPr>
+              <a:t>可见性，有序性，不保证原子性</a:t>
+            </a:r>
+            <a:endParaRPr lang="zh-CN" sz="1600" b="1">
+              <a:solidFill>
+                <a:srgbClr val="FF0000"/>
+              </a:solidFill>
+              <a:latin typeface="宋体" panose="02010600030101010101" pitchFamily="2" charset="-122"/>
+              <a:ea typeface="宋体" panose="02010600030101010101" pitchFamily="2" charset="-122"/>
+              <a:cs typeface="宋体" panose="02010600030101010101" pitchFamily="2" charset="-122"/>
+            </a:endParaRPr>
+          </a:p>
+        </p:txBody>
+      </p:sp>
+    </p:spTree>
+    <p:custDataLst>
+      <p:tags r:id="rId2"/>
+    </p:custDataLst>
+  </p:cSld>
+  <p:clrMapOvr>
+    <a:masterClrMapping/>
+  </p:clrMapOvr>
+</p:sld>
+</file>
+
+<file path=ppt/slides/slide41.xml><?xml version="1.0" encoding="utf-8"?>
+<p:sld xmlns:a="http://schemas.openxmlformats.org/drawingml/2006/main" xmlns:r="http://schemas.openxmlformats.org/officeDocument/2006/relationships" xmlns:p="http://schemas.openxmlformats.org/presentationml/2006/main">
+  <p:cSld>
+    <p:bg>
+      <p:bgPr>
+        <a:blipFill rotWithShape="1">
+          <a:blip r:embed="rId1"/>
+          <a:stretch>
+            <a:fillRect/>
+          </a:stretch>
+        </a:blipFill>
+        <a:effectLst/>
+      </p:bgPr>
+    </p:bg>
+    <p:spTree>
+      <p:nvGrpSpPr>
+        <p:cNvPr id="1" name=""/>
+        <p:cNvGrpSpPr/>
+        <p:nvPr/>
+      </p:nvGrpSpPr>
+      <p:grpSpPr/>
+      <p:pic>
+        <p:nvPicPr>
+          <p:cNvPr id="2" name="图片 1"/>
+          <p:cNvPicPr>
+            <a:picLocks noChangeAspect="1"/>
+          </p:cNvPicPr>
+          <p:nvPr/>
+        </p:nvPicPr>
+        <p:blipFill>
+          <a:blip r:embed="rId2"/>
+          <a:stretch>
+            <a:fillRect/>
+          </a:stretch>
+        </p:blipFill>
+        <p:spPr>
+          <a:xfrm>
+            <a:off x="332105" y="1328420"/>
+            <a:ext cx="5991860" cy="5340350"/>
+          </a:xfrm>
+          <a:prstGeom prst="rect">
+            <a:avLst/>
+          </a:prstGeom>
+        </p:spPr>
+      </p:pic>
+      <p:sp>
+        <p:nvSpPr>
+          <p:cNvPr id="6" name="文本框 5"/>
+          <p:cNvSpPr txBox="1"/>
+          <p:nvPr/>
+        </p:nvSpPr>
+        <p:spPr>
+          <a:xfrm>
+            <a:off x="332105" y="635635"/>
+            <a:ext cx="11591925" cy="583565"/>
+          </a:xfrm>
+          <a:prstGeom prst="rect">
+            <a:avLst/>
+          </a:prstGeom>
+          <a:noFill/>
+        </p:spPr>
+        <p:txBody>
+          <a:bodyPr wrap="square" rtlCol="0">
+            <a:spAutoFit/>
+          </a:bodyPr>
+          <a:p>
+            <a:pPr algn="ctr"/>
+            <a:r>
+              <a:rPr lang="zh-CN" altLang="en-US" sz="3200">
+                <a:latin typeface="+mj-ea"/>
+                <a:ea typeface="+mj-ea"/>
+                <a:cs typeface="+mj-ea"/>
+                <a:sym typeface="+mn-ea"/>
+              </a:rPr>
+              <a:t>Java内存模型</a:t>
+            </a:r>
+            <a:endParaRPr lang="zh-CN" altLang="en-US" sz="3200">
+              <a:latin typeface="+mj-ea"/>
+              <a:ea typeface="+mj-ea"/>
+              <a:cs typeface="+mj-ea"/>
+              <a:sym typeface="+mn-ea"/>
+            </a:endParaRPr>
+          </a:p>
+        </p:txBody>
+      </p:sp>
+      <p:sp>
+        <p:nvSpPr>
+          <p:cNvPr id="3" name="文本框 2"/>
+          <p:cNvSpPr txBox="1"/>
+          <p:nvPr/>
+        </p:nvSpPr>
+        <p:spPr>
+          <a:xfrm>
+            <a:off x="6138545" y="1820545"/>
+            <a:ext cx="5544820" cy="1322070"/>
+          </a:xfrm>
+          <a:prstGeom prst="rect">
+            <a:avLst/>
+          </a:prstGeom>
+          <a:noFill/>
+        </p:spPr>
+        <p:txBody>
+          <a:bodyPr wrap="square" rtlCol="0">
+            <a:spAutoFit/>
+          </a:bodyPr>
+          <a:p>
+            <a:pPr algn="l"/>
+            <a:r>
+              <a:rPr lang="zh-CN" altLang="en-US" sz="1600">
+                <a:latin typeface="宋体" panose="02010600030101010101" pitchFamily="2" charset="-122"/>
+                <a:ea typeface="宋体" panose="02010600030101010101" pitchFamily="2" charset="-122"/>
+                <a:cs typeface="宋体" panose="02010600030101010101" pitchFamily="2" charset="-122"/>
+              </a:rPr>
+              <a:t>①每个线程都有一个自己的本地内存空间--线程栈空间</a:t>
+            </a:r>
+            <a:r>
+              <a:rPr lang="en-US" altLang="zh-CN" sz="1600">
+                <a:latin typeface="宋体" panose="02010600030101010101" pitchFamily="2" charset="-122"/>
+                <a:ea typeface="宋体" panose="02010600030101010101" pitchFamily="2" charset="-122"/>
+                <a:cs typeface="宋体" panose="02010600030101010101" pitchFamily="2" charset="-122"/>
+              </a:rPr>
+              <a:t>,</a:t>
+            </a:r>
+            <a:r>
+              <a:rPr lang="zh-CN" altLang="en-US" sz="1600">
+                <a:latin typeface="宋体" panose="02010600030101010101" pitchFamily="2" charset="-122"/>
+                <a:ea typeface="宋体" panose="02010600030101010101" pitchFamily="2" charset="-122"/>
+                <a:cs typeface="宋体" panose="02010600030101010101" pitchFamily="2" charset="-122"/>
+              </a:rPr>
+              <a:t>线程执行时，先把变量从主内存读取到线程自己的本地内存空间，然后再对该变量进行操作</a:t>
+            </a:r>
+            <a:endParaRPr lang="zh-CN" altLang="en-US" sz="1600">
+              <a:latin typeface="宋体" panose="02010600030101010101" pitchFamily="2" charset="-122"/>
+              <a:ea typeface="宋体" panose="02010600030101010101" pitchFamily="2" charset="-122"/>
+              <a:cs typeface="宋体" panose="02010600030101010101" pitchFamily="2" charset="-122"/>
+            </a:endParaRPr>
+          </a:p>
+          <a:p>
+            <a:pPr algn="l"/>
+            <a:endParaRPr lang="zh-CN" altLang="en-US" sz="1600">
+              <a:latin typeface="宋体" panose="02010600030101010101" pitchFamily="2" charset="-122"/>
+              <a:ea typeface="宋体" panose="02010600030101010101" pitchFamily="2" charset="-122"/>
+              <a:cs typeface="宋体" panose="02010600030101010101" pitchFamily="2" charset="-122"/>
+            </a:endParaRPr>
+          </a:p>
+          <a:p>
+            <a:pPr algn="l"/>
+            <a:r>
+              <a:rPr lang="zh-CN" altLang="en-US" sz="1600">
+                <a:latin typeface="宋体" panose="02010600030101010101" pitchFamily="2" charset="-122"/>
+                <a:ea typeface="宋体" panose="02010600030101010101" pitchFamily="2" charset="-122"/>
+                <a:cs typeface="宋体" panose="02010600030101010101" pitchFamily="2" charset="-122"/>
+              </a:rPr>
+              <a:t>②对该变量操作完后，在某个时间再把变量刷新回主内存</a:t>
+            </a:r>
+            <a:endParaRPr lang="zh-CN" altLang="en-US" sz="1600">
+              <a:latin typeface="宋体" panose="02010600030101010101" pitchFamily="2" charset="-122"/>
+              <a:ea typeface="宋体" panose="02010600030101010101" pitchFamily="2" charset="-122"/>
+              <a:cs typeface="宋体" panose="02010600030101010101" pitchFamily="2" charset="-122"/>
+            </a:endParaRPr>
+          </a:p>
+        </p:txBody>
+      </p:sp>
+    </p:spTree>
+    <p:custDataLst>
+      <p:tags r:id="rId3"/>
+    </p:custDataLst>
+  </p:cSld>
+  <p:clrMapOvr>
+    <a:masterClrMapping/>
+  </p:clrMapOvr>
+</p:sld>
+</file>
+
+<file path=ppt/slides/slide42.xml><?xml version="1.0" encoding="utf-8"?>
+<p:sld xmlns:a="http://schemas.openxmlformats.org/drawingml/2006/main" xmlns:r="http://schemas.openxmlformats.org/officeDocument/2006/relationships" xmlns:p="http://schemas.openxmlformats.org/presentationml/2006/main">
+  <p:cSld>
+    <p:bg>
+      <p:bgPr>
+        <a:blipFill rotWithShape="1">
+          <a:blip r:embed="rId1"/>
+          <a:stretch>
+            <a:fillRect/>
+          </a:stretch>
+        </a:blipFill>
+        <a:effectLst/>
+      </p:bgPr>
+    </p:bg>
+    <p:spTree>
+      <p:nvGrpSpPr>
+        <p:cNvPr id="1" name=""/>
+        <p:cNvGrpSpPr/>
+        <p:nvPr/>
+      </p:nvGrpSpPr>
+      <p:grpSpPr/>
+      <p:pic>
+        <p:nvPicPr>
+          <p:cNvPr id="4" name="图片 3"/>
+          <p:cNvPicPr>
+            <a:picLocks noChangeAspect="1"/>
+          </p:cNvPicPr>
+          <p:nvPr/>
+        </p:nvPicPr>
+        <p:blipFill>
+          <a:blip r:embed="rId2"/>
+          <a:stretch>
+            <a:fillRect/>
+          </a:stretch>
+        </p:blipFill>
+        <p:spPr>
+          <a:xfrm>
+            <a:off x="68580" y="699770"/>
+            <a:ext cx="7993380" cy="6096000"/>
+          </a:xfrm>
+          <a:prstGeom prst="rect">
+            <a:avLst/>
+          </a:prstGeom>
+        </p:spPr>
+      </p:pic>
+      <p:pic>
+        <p:nvPicPr>
+          <p:cNvPr id="5" name="图片 4"/>
+          <p:cNvPicPr>
+            <a:picLocks noChangeAspect="1"/>
+          </p:cNvPicPr>
+          <p:nvPr/>
+        </p:nvPicPr>
+        <p:blipFill>
+          <a:blip r:embed="rId3"/>
+          <a:stretch>
+            <a:fillRect/>
+          </a:stretch>
+        </p:blipFill>
+        <p:spPr>
+          <a:xfrm>
+            <a:off x="6685915" y="1383665"/>
+            <a:ext cx="4922520" cy="1668780"/>
+          </a:xfrm>
+          <a:prstGeom prst="rect">
+            <a:avLst/>
+          </a:prstGeom>
+        </p:spPr>
+      </p:pic>
+      <p:sp>
+        <p:nvSpPr>
+          <p:cNvPr id="7" name="文本框 6"/>
+          <p:cNvSpPr txBox="1"/>
+          <p:nvPr/>
+        </p:nvSpPr>
+        <p:spPr>
+          <a:xfrm>
+            <a:off x="6586855" y="3277870"/>
+            <a:ext cx="5437505" cy="583565"/>
+          </a:xfrm>
+          <a:prstGeom prst="rect">
+            <a:avLst/>
+          </a:prstGeom>
+          <a:noFill/>
+        </p:spPr>
+        <p:txBody>
+          <a:bodyPr wrap="square" rtlCol="0">
+            <a:spAutoFit/>
+          </a:bodyPr>
+          <a:p>
+            <a:r>
+              <a:rPr lang="zh-CN" altLang="en-US" sz="1600">
+                <a:latin typeface="宋体" panose="02010600030101010101" pitchFamily="2" charset="-122"/>
+                <a:ea typeface="宋体" panose="02010600030101010101" pitchFamily="2" charset="-122"/>
+              </a:rPr>
+              <a:t>在线程操作的对象直接存储到主存，当线程读取时，实时从主存读取，相当于省去了缓存的一步。</a:t>
+            </a:r>
+            <a:endParaRPr lang="zh-CN" altLang="en-US" sz="1600">
+              <a:latin typeface="宋体" panose="02010600030101010101" pitchFamily="2" charset="-122"/>
+              <a:ea typeface="宋体" panose="02010600030101010101" pitchFamily="2" charset="-122"/>
+            </a:endParaRPr>
+          </a:p>
+        </p:txBody>
+      </p:sp>
+      <p:sp>
+        <p:nvSpPr>
+          <p:cNvPr id="8" name="文本框 7"/>
+          <p:cNvSpPr txBox="1"/>
+          <p:nvPr/>
+        </p:nvSpPr>
+        <p:spPr>
+          <a:xfrm>
+            <a:off x="300355" y="635635"/>
+            <a:ext cx="11591925" cy="583565"/>
+          </a:xfrm>
+          <a:prstGeom prst="rect">
+            <a:avLst/>
+          </a:prstGeom>
+          <a:noFill/>
+        </p:spPr>
+        <p:txBody>
+          <a:bodyPr wrap="square" rtlCol="0">
+            <a:spAutoFit/>
+          </a:bodyPr>
+          <a:p>
+            <a:pPr algn="ctr"/>
+            <a:r>
+              <a:rPr lang="en-US" altLang="zh-CN" sz="3200">
+                <a:latin typeface="+mj-ea"/>
+                <a:ea typeface="+mj-ea"/>
+                <a:cs typeface="+mj-ea"/>
+                <a:sym typeface="+mn-ea"/>
+              </a:rPr>
+              <a:t>					</a:t>
+            </a:r>
+            <a:r>
+              <a:rPr lang="zh-CN" altLang="en-US" sz="3200">
+                <a:latin typeface="+mj-ea"/>
+                <a:ea typeface="+mj-ea"/>
+                <a:cs typeface="+mj-ea"/>
+                <a:sym typeface="+mn-ea"/>
+              </a:rPr>
+              <a:t>volatile 可见性案例</a:t>
+            </a:r>
+            <a:endParaRPr lang="en-US" altLang="zh-CN" sz="3200">
+              <a:latin typeface="+mj-ea"/>
+              <a:ea typeface="+mj-ea"/>
+              <a:cs typeface="+mj-ea"/>
+              <a:sym typeface="+mn-ea"/>
+            </a:endParaRPr>
+          </a:p>
+        </p:txBody>
+      </p:sp>
+    </p:spTree>
+    <p:custDataLst>
+      <p:tags r:id="rId4"/>
+    </p:custDataLst>
+  </p:cSld>
+  <p:clrMapOvr>
+    <a:masterClrMapping/>
+  </p:clrMapOvr>
+</p:sld>
+</file>
+
+<file path=ppt/slides/slide43.xml><?xml version="1.0" encoding="utf-8"?>
+<p:sld xmlns:a="http://schemas.openxmlformats.org/drawingml/2006/main" xmlns:r="http://schemas.openxmlformats.org/officeDocument/2006/relationships" xmlns:p="http://schemas.openxmlformats.org/presentationml/2006/main">
+  <p:cSld>
+    <p:bg>
+      <p:bgPr>
+        <a:blipFill rotWithShape="1">
+          <a:blip r:embed="rId1"/>
+          <a:stretch>
+            <a:fillRect/>
+          </a:stretch>
+        </a:blipFill>
+        <a:effectLst/>
+      </p:bgPr>
+    </p:bg>
+    <p:spTree>
+      <p:nvGrpSpPr>
+        <p:cNvPr id="1" name=""/>
+        <p:cNvGrpSpPr/>
+        <p:nvPr/>
+      </p:nvGrpSpPr>
+      <p:grpSpPr/>
+      <p:pic>
+        <p:nvPicPr>
+          <p:cNvPr id="2" name="图片 1"/>
+          <p:cNvPicPr>
+            <a:picLocks noChangeAspect="1"/>
+          </p:cNvPicPr>
+          <p:nvPr/>
+        </p:nvPicPr>
+        <p:blipFill>
+          <a:blip r:embed="rId2"/>
+          <a:stretch>
+            <a:fillRect/>
+          </a:stretch>
+        </p:blipFill>
+        <p:spPr>
+          <a:xfrm>
+            <a:off x="746760" y="891540"/>
+            <a:ext cx="10698480" cy="5074920"/>
+          </a:xfrm>
+          <a:prstGeom prst="rect">
+            <a:avLst/>
+          </a:prstGeom>
+        </p:spPr>
+      </p:pic>
+      <p:sp>
+        <p:nvSpPr>
+          <p:cNvPr id="3" name="矩形 2"/>
+          <p:cNvSpPr/>
+          <p:nvPr/>
+        </p:nvSpPr>
+        <p:spPr>
+          <a:xfrm>
+            <a:off x="584835" y="1720215"/>
+            <a:ext cx="3233420" cy="401320"/>
+          </a:xfrm>
+          <a:prstGeom prst="rect">
+            <a:avLst/>
+          </a:prstGeom>
+          <a:noFill/>
+          <a:ln w="38100">
+            <a:solidFill>
+              <a:srgbClr val="FF0000"/>
+            </a:solidFill>
+          </a:ln>
+          <a:extLst>
+            <a:ext uri="{909E8E84-426E-40DD-AFC4-6F175D3DCCD1}">
+              <a14:hiddenFill xmlns:a14="http://schemas.microsoft.com/office/drawing/2010/main">
+                <a:solidFill>
+                  <a:schemeClr val="lt1"/>
+                </a:solidFill>
+              </a14:hiddenFill>
+            </a:ext>
+          </a:extLst>
+        </p:spPr>
+        <p:style>
+          <a:lnRef idx="2">
+            <a:schemeClr val="accent6"/>
+          </a:lnRef>
+          <a:fillRef idx="1">
+            <a:schemeClr val="lt1"/>
+          </a:fillRef>
+          <a:effectRef idx="0">
+            <a:schemeClr val="accent6"/>
+          </a:effectRef>
+          <a:fontRef idx="minor">
+            <a:schemeClr val="dk1"/>
+          </a:fontRef>
+        </p:style>
+        <p:txBody>
+          <a:bodyPr rtlCol="0" anchor="ctr"/>
+          <a:p>
+            <a:pPr algn="ctr"/>
+            <a:endParaRPr lang="zh-CN" altLang="en-US">
+              <a:solidFill>
+                <a:srgbClr val="FF0000"/>
+              </a:solidFill>
+            </a:endParaRPr>
+          </a:p>
+        </p:txBody>
+      </p:sp>
+      <p:sp>
+        <p:nvSpPr>
+          <p:cNvPr id="8" name="文本框 7"/>
+          <p:cNvSpPr txBox="1"/>
+          <p:nvPr/>
+        </p:nvSpPr>
+        <p:spPr>
+          <a:xfrm>
+            <a:off x="300355" y="635635"/>
+            <a:ext cx="11591925" cy="583565"/>
+          </a:xfrm>
+          <a:prstGeom prst="rect">
+            <a:avLst/>
+          </a:prstGeom>
+          <a:noFill/>
+        </p:spPr>
+        <p:txBody>
+          <a:bodyPr wrap="square" rtlCol="0">
+            <a:spAutoFit/>
+          </a:bodyPr>
+          <a:p>
+            <a:pPr algn="ctr"/>
+            <a:r>
+              <a:rPr lang="en-US" altLang="zh-CN" sz="3200">
+                <a:latin typeface="+mj-ea"/>
+                <a:ea typeface="+mj-ea"/>
+                <a:cs typeface="+mj-ea"/>
+                <a:sym typeface="+mn-ea"/>
+              </a:rPr>
+              <a:t>					</a:t>
+            </a:r>
+            <a:r>
+              <a:rPr lang="zh-CN" altLang="en-US" sz="3200">
+                <a:latin typeface="+mj-ea"/>
+                <a:ea typeface="+mj-ea"/>
+                <a:cs typeface="+mj-ea"/>
+                <a:sym typeface="+mn-ea"/>
+              </a:rPr>
+              <a:t>volatile 有序性案例</a:t>
+            </a:r>
+            <a:endParaRPr lang="en-US" altLang="zh-CN" sz="3200">
+              <a:latin typeface="+mj-ea"/>
+              <a:ea typeface="+mj-ea"/>
+              <a:cs typeface="+mj-ea"/>
+              <a:sym typeface="+mn-ea"/>
+            </a:endParaRPr>
+          </a:p>
+        </p:txBody>
+      </p:sp>
+    </p:spTree>
+    <p:custDataLst>
+      <p:tags r:id="rId3"/>
+    </p:custDataLst>
+  </p:cSld>
+  <p:clrMapOvr>
+    <a:masterClrMapping/>
+  </p:clrMapOvr>
+</p:sld>
+</file>
+
+<file path=ppt/slides/slide44.xml><?xml version="1.0" encoding="utf-8"?>
+<p:sld xmlns:a="http://schemas.openxmlformats.org/drawingml/2006/main" xmlns:r="http://schemas.openxmlformats.org/officeDocument/2006/relationships" xmlns:p="http://schemas.openxmlformats.org/presentationml/2006/main">
+  <p:cSld>
+    <p:bg>
+      <p:bgPr>
+        <a:blipFill rotWithShape="1">
+          <a:blip r:embed="rId1"/>
+          <a:stretch>
+            <a:fillRect/>
+          </a:stretch>
+        </a:blipFill>
+        <a:effectLst/>
+      </p:bgPr>
+    </p:bg>
+    <p:spTree>
+      <p:nvGrpSpPr>
+        <p:cNvPr id="1" name=""/>
+        <p:cNvGrpSpPr/>
+        <p:nvPr/>
+      </p:nvGrpSpPr>
+      <p:grpSpPr/>
+      <p:pic>
+        <p:nvPicPr>
+          <p:cNvPr id="2" name="图片 1"/>
+          <p:cNvPicPr>
+            <a:picLocks noChangeAspect="1"/>
+          </p:cNvPicPr>
+          <p:nvPr/>
+        </p:nvPicPr>
+        <p:blipFill>
+          <a:blip r:embed="rId2"/>
+          <a:stretch>
+            <a:fillRect/>
+          </a:stretch>
+        </p:blipFill>
+        <p:spPr>
+          <a:xfrm>
+            <a:off x="60960" y="83820"/>
+            <a:ext cx="7420610" cy="3399790"/>
+          </a:xfrm>
+          <a:prstGeom prst="rect">
+            <a:avLst/>
+          </a:prstGeom>
+        </p:spPr>
+      </p:pic>
+      <p:pic>
+        <p:nvPicPr>
+          <p:cNvPr id="3" name="图片 2"/>
+          <p:cNvPicPr>
+            <a:picLocks noChangeAspect="1"/>
+          </p:cNvPicPr>
+          <p:nvPr/>
+        </p:nvPicPr>
+        <p:blipFill>
+          <a:blip r:embed="rId3"/>
+          <a:stretch>
+            <a:fillRect/>
+          </a:stretch>
+        </p:blipFill>
+        <p:spPr>
+          <a:xfrm>
+            <a:off x="60960" y="3568065"/>
+            <a:ext cx="6723380" cy="3256915"/>
+          </a:xfrm>
+          <a:prstGeom prst="rect">
+            <a:avLst/>
+          </a:prstGeom>
+        </p:spPr>
+      </p:pic>
+    </p:spTree>
+    <p:custDataLst>
+      <p:tags r:id="rId4"/>
+    </p:custDataLst>
+  </p:cSld>
+  <p:clrMapOvr>
+    <a:masterClrMapping/>
+  </p:clrMapOvr>
+</p:sld>
+</file>
+
+<file path=ppt/slides/slide45.xml><?xml version="1.0" encoding="utf-8"?>
+<p:sld xmlns:a="http://schemas.openxmlformats.org/drawingml/2006/main" xmlns:r="http://schemas.openxmlformats.org/officeDocument/2006/relationships" xmlns:p="http://schemas.openxmlformats.org/presentationml/2006/main">
+  <p:cSld>
+    <p:bg>
+      <p:bgPr>
+        <a:blipFill rotWithShape="1">
+          <a:blip r:embed="rId1"/>
+          <a:stretch>
+            <a:fillRect/>
+          </a:stretch>
+        </a:blipFill>
+        <a:effectLst/>
+      </p:bgPr>
+    </p:bg>
+    <p:spTree>
+      <p:nvGrpSpPr>
+        <p:cNvPr id="1" name=""/>
+        <p:cNvGrpSpPr/>
+        <p:nvPr/>
+      </p:nvGrpSpPr>
+      <p:grpSpPr/>
+    </p:spTree>
+    <p:custDataLst>
+      <p:tags r:id="rId2"/>
+    </p:custDataLst>
+  </p:cSld>
+  <p:clrMapOvr>
+    <a:masterClrMapping/>
+  </p:clrMapOvr>
+</p:sld>
+</file>
+
+<file path=ppt/slides/slide46.xml><?xml version="1.0" encoding="utf-8"?>
+<p:sld xmlns:a="http://schemas.openxmlformats.org/drawingml/2006/main" xmlns:r="http://schemas.openxmlformats.org/officeDocument/2006/relationships" xmlns:p="http://schemas.openxmlformats.org/presentationml/2006/main">
+  <p:cSld>
+    <p:bg>
+      <p:bgPr>
+        <a:blipFill rotWithShape="1">
+          <a:blip r:embed="rId1"/>
+          <a:stretch>
+            <a:fillRect/>
+          </a:stretch>
+        </a:blipFill>
+        <a:effectLst/>
+      </p:bgPr>
+    </p:bg>
+    <p:spTree>
+      <p:nvGrpSpPr>
+        <p:cNvPr id="1" name=""/>
+        <p:cNvGrpSpPr/>
+        <p:nvPr/>
+      </p:nvGrpSpPr>
+      <p:grpSpPr/>
     </p:spTree>
     <p:custDataLst>
       <p:tags r:id="rId2"/>
@@ -19487,6 +21244,69 @@
 </p:tagLst>
 </file>
 
+<file path=ppt/tags/tag113.xml><?xml version="1.0" encoding="utf-8"?>
+<p:tagLst xmlns:p="http://schemas.openxmlformats.org/presentationml/2006/main">
+  <p:tag name="KSO_WM_BEAUTIFY_FLAG" val="#wm#"/>
+  <p:tag name="KSO_WM_TEMPLATE_CATEGORY" val="custom"/>
+  <p:tag name="KSO_WM_TEMPLATE_INDEX" val="20203858"/>
+  <p:tag name="KSO_WM_SPECIAL_SOURCE" val="bdnull"/>
+</p:tagLst>
+</file>
+
+<file path=ppt/tags/tag114.xml><?xml version="1.0" encoding="utf-8"?>
+<p:tagLst xmlns:p="http://schemas.openxmlformats.org/presentationml/2006/main">
+  <p:tag name="KSO_WM_BEAUTIFY_FLAG" val="#wm#"/>
+  <p:tag name="KSO_WM_TEMPLATE_CATEGORY" val="custom"/>
+  <p:tag name="KSO_WM_TEMPLATE_INDEX" val="20203858"/>
+  <p:tag name="KSO_WM_SPECIAL_SOURCE" val="bdnull"/>
+</p:tagLst>
+</file>
+
+<file path=ppt/tags/tag115.xml><?xml version="1.0" encoding="utf-8"?>
+<p:tagLst xmlns:p="http://schemas.openxmlformats.org/presentationml/2006/main">
+  <p:tag name="KSO_WM_BEAUTIFY_FLAG" val="#wm#"/>
+  <p:tag name="KSO_WM_TEMPLATE_CATEGORY" val="custom"/>
+  <p:tag name="KSO_WM_TEMPLATE_INDEX" val="20203858"/>
+  <p:tag name="KSO_WM_SPECIAL_SOURCE" val="bdnull"/>
+</p:tagLst>
+</file>
+
+<file path=ppt/tags/tag116.xml><?xml version="1.0" encoding="utf-8"?>
+<p:tagLst xmlns:p="http://schemas.openxmlformats.org/presentationml/2006/main">
+  <p:tag name="KSO_WM_BEAUTIFY_FLAG" val="#wm#"/>
+  <p:tag name="KSO_WM_TEMPLATE_CATEGORY" val="custom"/>
+  <p:tag name="KSO_WM_TEMPLATE_INDEX" val="20203858"/>
+  <p:tag name="KSO_WM_SPECIAL_SOURCE" val="bdnull"/>
+</p:tagLst>
+</file>
+
+<file path=ppt/tags/tag117.xml><?xml version="1.0" encoding="utf-8"?>
+<p:tagLst xmlns:p="http://schemas.openxmlformats.org/presentationml/2006/main">
+  <p:tag name="KSO_WM_BEAUTIFY_FLAG" val="#wm#"/>
+  <p:tag name="KSO_WM_TEMPLATE_CATEGORY" val="custom"/>
+  <p:tag name="KSO_WM_TEMPLATE_INDEX" val="20203858"/>
+  <p:tag name="KSO_WM_SPECIAL_SOURCE" val="bdnull"/>
+</p:tagLst>
+</file>
+
+<file path=ppt/tags/tag118.xml><?xml version="1.0" encoding="utf-8"?>
+<p:tagLst xmlns:p="http://schemas.openxmlformats.org/presentationml/2006/main">
+  <p:tag name="KSO_WM_BEAUTIFY_FLAG" val="#wm#"/>
+  <p:tag name="KSO_WM_TEMPLATE_CATEGORY" val="custom"/>
+  <p:tag name="KSO_WM_TEMPLATE_INDEX" val="20203858"/>
+  <p:tag name="KSO_WM_SPECIAL_SOURCE" val="bdnull"/>
+</p:tagLst>
+</file>
+
+<file path=ppt/tags/tag119.xml><?xml version="1.0" encoding="utf-8"?>
+<p:tagLst xmlns:p="http://schemas.openxmlformats.org/presentationml/2006/main">
+  <p:tag name="KSO_WM_BEAUTIFY_FLAG" val="#wm#"/>
+  <p:tag name="KSO_WM_TEMPLATE_CATEGORY" val="custom"/>
+  <p:tag name="KSO_WM_TEMPLATE_INDEX" val="20203858"/>
+  <p:tag name="KSO_WM_SPECIAL_SOURCE" val="bdnull"/>
+</p:tagLst>
+</file>
+
 <file path=ppt/tags/tag12.xml><?xml version="1.0" encoding="utf-8"?>
 <p:tagLst xmlns:p="http://schemas.openxmlformats.org/presentationml/2006/main">
   <p:tag name="KSO_WM_UNIT_HIGHLIGHT" val="0"/>
@@ -19497,6 +21317,42 @@
   <p:tag name="KSO_WM_UNIT_LAYERLEVEL" val="1"/>
   <p:tag name="KSO_WM_TAG_VERSION" val="1.0"/>
   <p:tag name="KSO_WM_BEAUTIFY_FLAG" val="#wm#"/>
+</p:tagLst>
+</file>
+
+<file path=ppt/tags/tag120.xml><?xml version="1.0" encoding="utf-8"?>
+<p:tagLst xmlns:p="http://schemas.openxmlformats.org/presentationml/2006/main">
+  <p:tag name="KSO_WM_BEAUTIFY_FLAG" val="#wm#"/>
+  <p:tag name="KSO_WM_TEMPLATE_CATEGORY" val="custom"/>
+  <p:tag name="KSO_WM_TEMPLATE_INDEX" val="20203858"/>
+  <p:tag name="KSO_WM_SPECIAL_SOURCE" val="bdnull"/>
+</p:tagLst>
+</file>
+
+<file path=ppt/tags/tag121.xml><?xml version="1.0" encoding="utf-8"?>
+<p:tagLst xmlns:p="http://schemas.openxmlformats.org/presentationml/2006/main">
+  <p:tag name="KSO_WM_BEAUTIFY_FLAG" val="#wm#"/>
+  <p:tag name="KSO_WM_TEMPLATE_CATEGORY" val="custom"/>
+  <p:tag name="KSO_WM_TEMPLATE_INDEX" val="20203858"/>
+  <p:tag name="KSO_WM_SPECIAL_SOURCE" val="bdnull"/>
+</p:tagLst>
+</file>
+
+<file path=ppt/tags/tag122.xml><?xml version="1.0" encoding="utf-8"?>
+<p:tagLst xmlns:p="http://schemas.openxmlformats.org/presentationml/2006/main">
+  <p:tag name="KSO_WM_BEAUTIFY_FLAG" val="#wm#"/>
+  <p:tag name="KSO_WM_TEMPLATE_CATEGORY" val="custom"/>
+  <p:tag name="KSO_WM_TEMPLATE_INDEX" val="20203858"/>
+  <p:tag name="KSO_WM_SPECIAL_SOURCE" val="bdnull"/>
+</p:tagLst>
+</file>
+
+<file path=ppt/tags/tag123.xml><?xml version="1.0" encoding="utf-8"?>
+<p:tagLst xmlns:p="http://schemas.openxmlformats.org/presentationml/2006/main">
+  <p:tag name="KSO_WM_BEAUTIFY_FLAG" val="#wm#"/>
+  <p:tag name="KSO_WM_TEMPLATE_CATEGORY" val="custom"/>
+  <p:tag name="KSO_WM_TEMPLATE_INDEX" val="20203858"/>
+  <p:tag name="KSO_WM_SPECIAL_SOURCE" val="bdnull"/>
 </p:tagLst>
 </file>
 

--- a/基础PPT/第10章：Java并发基础.pptx
+++ b/基础PPT/第10章：Java并发基础.pptx
@@ -11131,7 +11131,39 @@
                 <a:ea typeface="宋体" panose="02010600030101010101" pitchFamily="2" charset="-122"/>
                 <a:cs typeface="宋体" panose="02010600030101010101" pitchFamily="2" charset="-122"/>
               </a:rPr>
-              <a:t>ReentrantLock的作用和synchronize是一样的，都是实现锁的功能，但是ReentrantLock需要手写代码对锁进行获取和释放(一定要在finally里面释放)，要不然就永远死锁了，ReentrantLock也可以用来做线程之间的挂起和通知，synchronize一般是使用object的wait和notify来实现，ReentrantLock使用Condition来实现线程之间的通信。</a:t>
+              <a:t>ReentrantLock的作用和synchronize</a:t>
+            </a:r>
+            <a:r>
+              <a:rPr lang="en-US" altLang="zh-CN">
+                <a:latin typeface="宋体" panose="02010600030101010101" pitchFamily="2" charset="-122"/>
+                <a:ea typeface="宋体" panose="02010600030101010101" pitchFamily="2" charset="-122"/>
+                <a:cs typeface="宋体" panose="02010600030101010101" pitchFamily="2" charset="-122"/>
+              </a:rPr>
+              <a:t>d </a:t>
+            </a:r>
+            <a:r>
+              <a:rPr lang="zh-CN" altLang="en-US">
+                <a:latin typeface="宋体" panose="02010600030101010101" pitchFamily="2" charset="-122"/>
+                <a:ea typeface="宋体" panose="02010600030101010101" pitchFamily="2" charset="-122"/>
+                <a:cs typeface="宋体" panose="02010600030101010101" pitchFamily="2" charset="-122"/>
+              </a:rPr>
+              <a:t>是一样的，都是实现锁的功能，但是ReentrantLock需要手写代码对锁进行获取和释放(一定要在finally里面释放)，要不然就永远死锁了，ReentrantLock也可以用来做线程之间的挂起和通知，synchronize</a:t>
+            </a:r>
+            <a:r>
+              <a:rPr lang="en-US" altLang="zh-CN">
+                <a:latin typeface="宋体" panose="02010600030101010101" pitchFamily="2" charset="-122"/>
+                <a:ea typeface="宋体" panose="02010600030101010101" pitchFamily="2" charset="-122"/>
+                <a:cs typeface="宋体" panose="02010600030101010101" pitchFamily="2" charset="-122"/>
+              </a:rPr>
+              <a:t>d </a:t>
+            </a:r>
+            <a:r>
+              <a:rPr lang="zh-CN" altLang="en-US">
+                <a:latin typeface="宋体" panose="02010600030101010101" pitchFamily="2" charset="-122"/>
+                <a:ea typeface="宋体" panose="02010600030101010101" pitchFamily="2" charset="-122"/>
+                <a:cs typeface="宋体" panose="02010600030101010101" pitchFamily="2" charset="-122"/>
+              </a:rPr>
+              <a:t>一般是使用object的wait和notify来实现，ReentrantLock使用Condition来实现线程之间的通信。</a:t>
             </a:r>
             <a:endParaRPr lang="zh-CN" altLang="en-US">
               <a:latin typeface="宋体" panose="02010600030101010101" pitchFamily="2" charset="-122"/>
@@ -11163,7 +11195,26 @@
                 <a:ea typeface="宋体" panose="02010600030101010101" pitchFamily="2" charset="-122"/>
                 <a:cs typeface="宋体" panose="02010600030101010101" pitchFamily="2" charset="-122"/>
               </a:rPr>
-              <a:t>ReentrantReadWriteLock锁是一个读写分离的锁，这种锁主要用于读多写少的业务场景，口诀就是：读读共享、写写互斥、读写互斥。</a:t>
+              <a:t>ReentrantReadWriteLock锁是一个读写分离的锁，这种锁主要用于读多写少的业务场景，口诀就是：</a:t>
+            </a:r>
+            <a:r>
+              <a:rPr lang="zh-CN" altLang="en-US" b="1">
+                <a:solidFill>
+                  <a:srgbClr val="FF0000"/>
+                </a:solidFill>
+                <a:latin typeface="宋体" panose="02010600030101010101" pitchFamily="2" charset="-122"/>
+                <a:ea typeface="宋体" panose="02010600030101010101" pitchFamily="2" charset="-122"/>
+                <a:cs typeface="宋体" panose="02010600030101010101" pitchFamily="2" charset="-122"/>
+              </a:rPr>
+              <a:t>读读共享、写写互斥、读写互斥</a:t>
+            </a:r>
+            <a:r>
+              <a:rPr lang="zh-CN" altLang="en-US">
+                <a:latin typeface="宋体" panose="02010600030101010101" pitchFamily="2" charset="-122"/>
+                <a:ea typeface="宋体" panose="02010600030101010101" pitchFamily="2" charset="-122"/>
+                <a:cs typeface="宋体" panose="02010600030101010101" pitchFamily="2" charset="-122"/>
+              </a:rPr>
+              <a:t>。</a:t>
             </a:r>
             <a:endParaRPr lang="zh-CN" altLang="en-US">
               <a:latin typeface="宋体" panose="02010600030101010101" pitchFamily="2" charset="-122"/>
@@ -14355,7 +14406,45 @@
                 <a:ea typeface="宋体" panose="02010600030101010101" pitchFamily="2" charset="-122"/>
                 <a:cs typeface="宋体" panose="02010600030101010101" pitchFamily="2" charset="-122"/>
               </a:rPr>
-              <a:t>当使用ThreadLocal维护变量时，ThreadLocal为每个使用该变量的线程提供独立的变量副本，所以每一个线程都可以独立地改变自己的副本，而不会影响其它线程所对应的副本。</a:t>
+              <a:t>当使用ThreadLocal</a:t>
+            </a:r>
+            <a:r>
+              <a:rPr sz="1600" b="1">
+                <a:solidFill>
+                  <a:srgbClr val="FF0000"/>
+                </a:solidFill>
+                <a:latin typeface="宋体" panose="02010600030101010101" pitchFamily="2" charset="-122"/>
+                <a:ea typeface="宋体" panose="02010600030101010101" pitchFamily="2" charset="-122"/>
+                <a:cs typeface="宋体" panose="02010600030101010101" pitchFamily="2" charset="-122"/>
+              </a:rPr>
+              <a:t>维护变量</a:t>
+            </a:r>
+            <a:r>
+              <a:rPr sz="1600">
+                <a:latin typeface="宋体" panose="02010600030101010101" pitchFamily="2" charset="-122"/>
+                <a:ea typeface="宋体" panose="02010600030101010101" pitchFamily="2" charset="-122"/>
+                <a:cs typeface="宋体" panose="02010600030101010101" pitchFamily="2" charset="-122"/>
+              </a:rPr>
+              <a:t>时，ThreadLocal为每个使用该变量的线程提供独立的</a:t>
+            </a:r>
+            <a:r>
+              <a:rPr sz="1600" b="1">
+                <a:solidFill>
+                  <a:srgbClr val="FF0000"/>
+                </a:solidFill>
+                <a:latin typeface="宋体" panose="02010600030101010101" pitchFamily="2" charset="-122"/>
+                <a:ea typeface="宋体" panose="02010600030101010101" pitchFamily="2" charset="-122"/>
+                <a:cs typeface="宋体" panose="02010600030101010101" pitchFamily="2" charset="-122"/>
+              </a:rPr>
+              <a:t>变量副本</a:t>
+            </a:r>
+            <a:r>
+              <a:rPr sz="1600">
+                <a:latin typeface="宋体" panose="02010600030101010101" pitchFamily="2" charset="-122"/>
+                <a:ea typeface="宋体" panose="02010600030101010101" pitchFamily="2" charset="-122"/>
+                <a:cs typeface="宋体" panose="02010600030101010101" pitchFamily="2" charset="-122"/>
+              </a:rPr>
+              <a:t>，所以每一个线程都可以独立地改变自己的副本，而不会影响其它线程所对应的副本。</a:t>
             </a:r>
             <a:endParaRPr sz="1600">
               <a:latin typeface="宋体" panose="02010600030101010101" pitchFamily="2" charset="-122"/>
@@ -14882,7 +14971,45 @@
                 <a:ea typeface="宋体" panose="02010600030101010101" pitchFamily="2" charset="-122"/>
                 <a:cs typeface="宋体" panose="02010600030101010101" pitchFamily="2" charset="-122"/>
               </a:rPr>
-              <a:t>      在计算机执行指令的顺序在经过程序编译器编译之后形成的指令序列，一般而言，这个指令序列是会输出确定的结果；以确保每一次的执行都有确定的结果。但是，一般情况下，CPU和编译器为了提升程序执行的效率，会按照一定的规则允许进行指令优化，在某些情况下，这种优化会带来一些执行的逻辑问题，主要的原因是代码逻辑之间是存在一定的先后顺序，在并发执行情况下，会发生二义性，即按照不同的执行逻辑，会得到不同的结果信息。</a:t>
+              <a:t>      在计算机执行指令的顺序在经过程序编译器编译之后形成的指令序列，一般而言，这个指令序列是会输出确定的结果；以确保每一次的执行都有确定的结果。但是，一般情况下，</a:t>
+            </a:r>
+            <a:r>
+              <a:rPr lang="zh-CN" sz="1600" b="1">
+                <a:solidFill>
+                  <a:srgbClr val="FF0000"/>
+                </a:solidFill>
+                <a:latin typeface="宋体" panose="02010600030101010101" pitchFamily="2" charset="-122"/>
+                <a:ea typeface="宋体" panose="02010600030101010101" pitchFamily="2" charset="-122"/>
+                <a:cs typeface="宋体" panose="02010600030101010101" pitchFamily="2" charset="-122"/>
+              </a:rPr>
+              <a:t>CPU和编译器</a:t>
+            </a:r>
+            <a:r>
+              <a:rPr lang="zh-CN" sz="1600">
+                <a:latin typeface="宋体" panose="02010600030101010101" pitchFamily="2" charset="-122"/>
+                <a:ea typeface="宋体" panose="02010600030101010101" pitchFamily="2" charset="-122"/>
+                <a:cs typeface="宋体" panose="02010600030101010101" pitchFamily="2" charset="-122"/>
+              </a:rPr>
+              <a:t>为了提升程序执行的效率，会按照一定的规则</a:t>
+            </a:r>
+            <a:r>
+              <a:rPr lang="zh-CN" sz="1600" b="1">
+                <a:solidFill>
+                  <a:srgbClr val="FF0000"/>
+                </a:solidFill>
+                <a:latin typeface="宋体" panose="02010600030101010101" pitchFamily="2" charset="-122"/>
+                <a:ea typeface="宋体" panose="02010600030101010101" pitchFamily="2" charset="-122"/>
+                <a:cs typeface="宋体" panose="02010600030101010101" pitchFamily="2" charset="-122"/>
+              </a:rPr>
+              <a:t>允许进行指令优化</a:t>
+            </a:r>
+            <a:r>
+              <a:rPr lang="zh-CN" sz="1600">
+                <a:latin typeface="宋体" panose="02010600030101010101" pitchFamily="2" charset="-122"/>
+                <a:ea typeface="宋体" panose="02010600030101010101" pitchFamily="2" charset="-122"/>
+                <a:cs typeface="宋体" panose="02010600030101010101" pitchFamily="2" charset="-122"/>
+              </a:rPr>
+              <a:t>，在某些情况下，这种优化会带来一些执行的逻辑问题，主要的原因是代码逻辑之间是存在一定的先后顺序，在并发执行情况下，会发生二义性，即按照不同的执行逻辑，会得到不同的结果信息。</a:t>
             </a:r>
             <a:endParaRPr lang="zh-CN" sz="1600">
               <a:latin typeface="宋体" panose="02010600030101010101" pitchFamily="2" charset="-122"/>
@@ -15130,7 +15257,7 @@
         <p:spPr>
           <a:xfrm>
             <a:off x="130175" y="763905"/>
-            <a:ext cx="11931015" cy="2799715"/>
+            <a:ext cx="11931015" cy="3046095"/>
           </a:xfrm>
           <a:prstGeom prst="rect">
             <a:avLst/>
@@ -15148,7 +15275,147 @@
                 <a:ea typeface="宋体" panose="02010600030101010101" pitchFamily="2" charset="-122"/>
                 <a:cs typeface="宋体" panose="02010600030101010101" pitchFamily="2" charset="-122"/>
               </a:rPr>
-              <a:t>在并发编程中，我们通常会遇到以下三个问题：原子性问题，可见性问题，有序性问题。</a:t>
+              <a:t>在并发编程中，我们通常会遇到以下三个问题：</a:t>
+            </a:r>
+            <a:r>
+              <a:rPr lang="zh-CN" sz="1600" b="1">
+                <a:solidFill>
+                  <a:srgbClr val="FF0000"/>
+                </a:solidFill>
+                <a:latin typeface="宋体" panose="02010600030101010101" pitchFamily="2" charset="-122"/>
+                <a:ea typeface="宋体" panose="02010600030101010101" pitchFamily="2" charset="-122"/>
+                <a:cs typeface="宋体" panose="02010600030101010101" pitchFamily="2" charset="-122"/>
+              </a:rPr>
+              <a:t>原子性问题</a:t>
+            </a:r>
+            <a:r>
+              <a:rPr lang="en-US" altLang="zh-CN" sz="1600" b="1">
+                <a:solidFill>
+                  <a:srgbClr val="FF0000"/>
+                </a:solidFill>
+                <a:latin typeface="宋体" panose="02010600030101010101" pitchFamily="2" charset="-122"/>
+                <a:ea typeface="宋体" panose="02010600030101010101" pitchFamily="2" charset="-122"/>
+                <a:cs typeface="宋体" panose="02010600030101010101" pitchFamily="2" charset="-122"/>
+              </a:rPr>
+              <a:t>(</a:t>
+            </a:r>
+            <a:r>
+              <a:rPr lang="zh-CN" altLang="en-US" sz="1600" b="1">
+                <a:solidFill>
+                  <a:srgbClr val="FF0000"/>
+                </a:solidFill>
+                <a:latin typeface="宋体" panose="02010600030101010101" pitchFamily="2" charset="-122"/>
+                <a:ea typeface="宋体" panose="02010600030101010101" pitchFamily="2" charset="-122"/>
+                <a:cs typeface="宋体" panose="02010600030101010101" pitchFamily="2" charset="-122"/>
+              </a:rPr>
+              <a:t>被打断问题</a:t>
+            </a:r>
+            <a:r>
+              <a:rPr lang="en-US" altLang="zh-CN" sz="1600" b="1">
+                <a:solidFill>
+                  <a:srgbClr val="FF0000"/>
+                </a:solidFill>
+                <a:latin typeface="宋体" panose="02010600030101010101" pitchFamily="2" charset="-122"/>
+                <a:ea typeface="宋体" panose="02010600030101010101" pitchFamily="2" charset="-122"/>
+                <a:cs typeface="宋体" panose="02010600030101010101" pitchFamily="2" charset="-122"/>
+              </a:rPr>
+              <a:t>)</a:t>
+            </a:r>
+            <a:r>
+              <a:rPr lang="zh-CN" sz="1600" b="1">
+                <a:solidFill>
+                  <a:srgbClr val="FF0000"/>
+                </a:solidFill>
+                <a:latin typeface="宋体" panose="02010600030101010101" pitchFamily="2" charset="-122"/>
+                <a:ea typeface="宋体" panose="02010600030101010101" pitchFamily="2" charset="-122"/>
+                <a:cs typeface="宋体" panose="02010600030101010101" pitchFamily="2" charset="-122"/>
+              </a:rPr>
+              <a:t>，可见性问题</a:t>
+            </a:r>
+            <a:r>
+              <a:rPr lang="en-US" altLang="zh-CN" sz="1600" b="1">
+                <a:solidFill>
+                  <a:srgbClr val="FF0000"/>
+                </a:solidFill>
+                <a:latin typeface="宋体" panose="02010600030101010101" pitchFamily="2" charset="-122"/>
+                <a:ea typeface="宋体" panose="02010600030101010101" pitchFamily="2" charset="-122"/>
+                <a:cs typeface="宋体" panose="02010600030101010101" pitchFamily="2" charset="-122"/>
+              </a:rPr>
+              <a:t>(</a:t>
+            </a:r>
+            <a:r>
+              <a:rPr lang="zh-CN" altLang="en-US" sz="1600" b="1">
+                <a:solidFill>
+                  <a:srgbClr val="FF0000"/>
+                </a:solidFill>
+                <a:latin typeface="宋体" panose="02010600030101010101" pitchFamily="2" charset="-122"/>
+                <a:ea typeface="宋体" panose="02010600030101010101" pitchFamily="2" charset="-122"/>
+                <a:cs typeface="宋体" panose="02010600030101010101" pitchFamily="2" charset="-122"/>
+              </a:rPr>
+              <a:t>其它线程可见</a:t>
+            </a:r>
+            <a:r>
+              <a:rPr lang="en-US" altLang="zh-CN" sz="1600" b="1">
+                <a:solidFill>
+                  <a:srgbClr val="FF0000"/>
+                </a:solidFill>
+                <a:latin typeface="宋体" panose="02010600030101010101" pitchFamily="2" charset="-122"/>
+                <a:ea typeface="宋体" panose="02010600030101010101" pitchFamily="2" charset="-122"/>
+                <a:cs typeface="宋体" panose="02010600030101010101" pitchFamily="2" charset="-122"/>
+              </a:rPr>
+              <a:t>)</a:t>
+            </a:r>
+            <a:r>
+              <a:rPr lang="zh-CN" sz="1600" b="1">
+                <a:solidFill>
+                  <a:srgbClr val="FF0000"/>
+                </a:solidFill>
+                <a:latin typeface="宋体" panose="02010600030101010101" pitchFamily="2" charset="-122"/>
+                <a:ea typeface="宋体" panose="02010600030101010101" pitchFamily="2" charset="-122"/>
+                <a:cs typeface="宋体" panose="02010600030101010101" pitchFamily="2" charset="-122"/>
+              </a:rPr>
+              <a:t>，有序性问题</a:t>
+            </a:r>
+            <a:r>
+              <a:rPr lang="en-US" altLang="zh-CN" sz="1600" b="1">
+                <a:solidFill>
+                  <a:srgbClr val="FF0000"/>
+                </a:solidFill>
+                <a:latin typeface="宋体" panose="02010600030101010101" pitchFamily="2" charset="-122"/>
+                <a:ea typeface="宋体" panose="02010600030101010101" pitchFamily="2" charset="-122"/>
+                <a:cs typeface="宋体" panose="02010600030101010101" pitchFamily="2" charset="-122"/>
+              </a:rPr>
+              <a:t>(</a:t>
+            </a:r>
+            <a:r>
+              <a:rPr lang="zh-CN" altLang="en-US" sz="1600" b="1">
+                <a:solidFill>
+                  <a:srgbClr val="FF0000"/>
+                </a:solidFill>
+                <a:latin typeface="宋体" panose="02010600030101010101" pitchFamily="2" charset="-122"/>
+                <a:ea typeface="宋体" panose="02010600030101010101" pitchFamily="2" charset="-122"/>
+                <a:cs typeface="宋体" panose="02010600030101010101" pitchFamily="2" charset="-122"/>
+              </a:rPr>
+              <a:t>指令重排问题</a:t>
+            </a:r>
+            <a:r>
+              <a:rPr lang="en-US" altLang="zh-CN" sz="1600" b="1">
+                <a:solidFill>
+                  <a:srgbClr val="FF0000"/>
+                </a:solidFill>
+                <a:latin typeface="宋体" panose="02010600030101010101" pitchFamily="2" charset="-122"/>
+                <a:ea typeface="宋体" panose="02010600030101010101" pitchFamily="2" charset="-122"/>
+                <a:cs typeface="宋体" panose="02010600030101010101" pitchFamily="2" charset="-122"/>
+              </a:rPr>
+              <a:t>)</a:t>
+            </a:r>
+            <a:r>
+              <a:rPr lang="zh-CN" sz="1600">
+                <a:latin typeface="宋体" panose="02010600030101010101" pitchFamily="2" charset="-122"/>
+                <a:ea typeface="宋体" panose="02010600030101010101" pitchFamily="2" charset="-122"/>
+                <a:cs typeface="宋体" panose="02010600030101010101" pitchFamily="2" charset="-122"/>
+              </a:rPr>
+              <a:t>。</a:t>
             </a:r>
             <a:endParaRPr lang="zh-CN" sz="1600">
               <a:latin typeface="宋体" panose="02010600030101010101" pitchFamily="2" charset="-122"/>
@@ -15344,7 +15611,26 @@
                 <a:ea typeface="宋体" panose="02010600030101010101" pitchFamily="2" charset="-122"/>
                 <a:cs typeface="宋体" panose="02010600030101010101" pitchFamily="2" charset="-122"/>
               </a:rPr>
-              <a:t>　　可见性是指当多个线程访问同一个变量时，一个线程修改了这个变量的值，其他线程能够立即看得到修改的值。</a:t>
+              <a:t>　　可见性是指当多个线程访问同一个变量时，</a:t>
+            </a:r>
+            <a:r>
+              <a:rPr lang="zh-CN" sz="1600" b="1">
+                <a:solidFill>
+                  <a:srgbClr val="FF0000"/>
+                </a:solidFill>
+                <a:latin typeface="宋体" panose="02010600030101010101" pitchFamily="2" charset="-122"/>
+                <a:ea typeface="宋体" panose="02010600030101010101" pitchFamily="2" charset="-122"/>
+                <a:cs typeface="宋体" panose="02010600030101010101" pitchFamily="2" charset="-122"/>
+              </a:rPr>
+              <a:t>一个线程修改了这个变量的值，其他线程能够立即看得到修改的值</a:t>
+            </a:r>
+            <a:r>
+              <a:rPr lang="zh-CN" sz="1600">
+                <a:latin typeface="宋体" panose="02010600030101010101" pitchFamily="2" charset="-122"/>
+                <a:ea typeface="宋体" panose="02010600030101010101" pitchFamily="2" charset="-122"/>
+                <a:cs typeface="宋体" panose="02010600030101010101" pitchFamily="2" charset="-122"/>
+              </a:rPr>
+              <a:t>。</a:t>
             </a:r>
             <a:endParaRPr lang="zh-CN" sz="1600">
               <a:latin typeface="宋体" panose="02010600030101010101" pitchFamily="2" charset="-122"/>
